--- a/slides/ML - Module 4 - Unsupervised Machine Learning.pptx
+++ b/slides/ML - Module 4 - Unsupervised Machine Learning.pptx
@@ -6,14 +6,15 @@
   </p:sldMasterIdLst>
   <p:sldIdLst>
     <p:sldId id="256" r:id="rId2"/>
-    <p:sldId id="257" r:id="rId3"/>
-    <p:sldId id="258" r:id="rId4"/>
-    <p:sldId id="259" r:id="rId5"/>
-    <p:sldId id="260" r:id="rId6"/>
-    <p:sldId id="261" r:id="rId7"/>
-    <p:sldId id="262" r:id="rId8"/>
-    <p:sldId id="263" r:id="rId9"/>
-    <p:sldId id="264" r:id="rId10"/>
+    <p:sldId id="265" r:id="rId3"/>
+    <p:sldId id="257" r:id="rId4"/>
+    <p:sldId id="258" r:id="rId5"/>
+    <p:sldId id="259" r:id="rId6"/>
+    <p:sldId id="260" r:id="rId7"/>
+    <p:sldId id="261" r:id="rId8"/>
+    <p:sldId id="262" r:id="rId9"/>
+    <p:sldId id="263" r:id="rId10"/>
+    <p:sldId id="264" r:id="rId11"/>
   </p:sldIdLst>
   <p:sldSz cx="12192000" cy="6858000"/>
   <p:notesSz cx="6858000" cy="9144000"/>
@@ -269,7 +270,7 @@
           <a:p>
             <a:fld id="{1E72A6B1-85D5-4955-A616-DF87C3C0F9B2}" type="datetimeFigureOut">
               <a:rPr lang="en-GB" smtClean="0"/>
-              <a:t>20/01/2026</a:t>
+              <a:t>25/01/2026</a:t>
             </a:fld>
             <a:endParaRPr lang="en-GB"/>
           </a:p>
@@ -469,7 +470,7 @@
           <a:p>
             <a:fld id="{1E72A6B1-85D5-4955-A616-DF87C3C0F9B2}" type="datetimeFigureOut">
               <a:rPr lang="en-GB" smtClean="0"/>
-              <a:t>20/01/2026</a:t>
+              <a:t>25/01/2026</a:t>
             </a:fld>
             <a:endParaRPr lang="en-GB"/>
           </a:p>
@@ -679,7 +680,7 @@
           <a:p>
             <a:fld id="{1E72A6B1-85D5-4955-A616-DF87C3C0F9B2}" type="datetimeFigureOut">
               <a:rPr lang="en-GB" smtClean="0"/>
-              <a:t>20/01/2026</a:t>
+              <a:t>25/01/2026</a:t>
             </a:fld>
             <a:endParaRPr lang="en-GB"/>
           </a:p>
@@ -879,7 +880,7 @@
           <a:p>
             <a:fld id="{1E72A6B1-85D5-4955-A616-DF87C3C0F9B2}" type="datetimeFigureOut">
               <a:rPr lang="en-GB" smtClean="0"/>
-              <a:t>20/01/2026</a:t>
+              <a:t>25/01/2026</a:t>
             </a:fld>
             <a:endParaRPr lang="en-GB"/>
           </a:p>
@@ -1155,7 +1156,7 @@
           <a:p>
             <a:fld id="{1E72A6B1-85D5-4955-A616-DF87C3C0F9B2}" type="datetimeFigureOut">
               <a:rPr lang="en-GB" smtClean="0"/>
-              <a:t>20/01/2026</a:t>
+              <a:t>25/01/2026</a:t>
             </a:fld>
             <a:endParaRPr lang="en-GB"/>
           </a:p>
@@ -1423,7 +1424,7 @@
           <a:p>
             <a:fld id="{1E72A6B1-85D5-4955-A616-DF87C3C0F9B2}" type="datetimeFigureOut">
               <a:rPr lang="en-GB" smtClean="0"/>
-              <a:t>20/01/2026</a:t>
+              <a:t>25/01/2026</a:t>
             </a:fld>
             <a:endParaRPr lang="en-GB"/>
           </a:p>
@@ -1838,7 +1839,7 @@
           <a:p>
             <a:fld id="{1E72A6B1-85D5-4955-A616-DF87C3C0F9B2}" type="datetimeFigureOut">
               <a:rPr lang="en-GB" smtClean="0"/>
-              <a:t>20/01/2026</a:t>
+              <a:t>25/01/2026</a:t>
             </a:fld>
             <a:endParaRPr lang="en-GB"/>
           </a:p>
@@ -1980,7 +1981,7 @@
           <a:p>
             <a:fld id="{1E72A6B1-85D5-4955-A616-DF87C3C0F9B2}" type="datetimeFigureOut">
               <a:rPr lang="en-GB" smtClean="0"/>
-              <a:t>20/01/2026</a:t>
+              <a:t>25/01/2026</a:t>
             </a:fld>
             <a:endParaRPr lang="en-GB"/>
           </a:p>
@@ -2093,7 +2094,7 @@
           <a:p>
             <a:fld id="{1E72A6B1-85D5-4955-A616-DF87C3C0F9B2}" type="datetimeFigureOut">
               <a:rPr lang="en-GB" smtClean="0"/>
-              <a:t>20/01/2026</a:t>
+              <a:t>25/01/2026</a:t>
             </a:fld>
             <a:endParaRPr lang="en-GB"/>
           </a:p>
@@ -2406,7 +2407,7 @@
           <a:p>
             <a:fld id="{1E72A6B1-85D5-4955-A616-DF87C3C0F9B2}" type="datetimeFigureOut">
               <a:rPr lang="en-GB" smtClean="0"/>
-              <a:t>20/01/2026</a:t>
+              <a:t>25/01/2026</a:t>
             </a:fld>
             <a:endParaRPr lang="en-GB"/>
           </a:p>
@@ -2695,7 +2696,7 @@
           <a:p>
             <a:fld id="{1E72A6B1-85D5-4955-A616-DF87C3C0F9B2}" type="datetimeFigureOut">
               <a:rPr lang="en-GB" smtClean="0"/>
-              <a:t>20/01/2026</a:t>
+              <a:t>25/01/2026</a:t>
             </a:fld>
             <a:endParaRPr lang="en-GB"/>
           </a:p>
@@ -2938,7 +2939,7 @@
           <a:p>
             <a:fld id="{1E72A6B1-85D5-4955-A616-DF87C3C0F9B2}" type="datetimeFigureOut">
               <a:rPr lang="en-GB" smtClean="0"/>
-              <a:t>20/01/2026</a:t>
+              <a:t>25/01/2026</a:t>
             </a:fld>
             <a:endParaRPr lang="en-GB"/>
           </a:p>
@@ -3431,7 +3432,1722 @@
 </p:sld>
 </file>
 
+<file path=ppt/slides/slide10.xml><?xml version="1.0" encoding="utf-8"?>
+<p:sld xmlns:a="http://schemas.openxmlformats.org/drawingml/2006/main" xmlns:r="http://schemas.openxmlformats.org/officeDocument/2006/relationships" xmlns:p="http://schemas.openxmlformats.org/presentationml/2006/main">
+  <p:cSld>
+    <p:spTree>
+      <p:nvGrpSpPr>
+        <p:cNvPr id="1" name=""/>
+        <p:cNvGrpSpPr/>
+        <p:nvPr/>
+      </p:nvGrpSpPr>
+      <p:grpSpPr>
+        <a:xfrm>
+          <a:off x="0" y="0"/>
+          <a:ext cx="0" cy="0"/>
+          <a:chOff x="0" y="0"/>
+          <a:chExt cx="0" cy="0"/>
+        </a:xfrm>
+      </p:grpSpPr>
+      <p:sp>
+        <p:nvSpPr>
+          <p:cNvPr id="2" name="Title 1">
+            <a:extLst>
+              <a:ext uri="{FF2B5EF4-FFF2-40B4-BE49-F238E27FC236}">
+                <a16:creationId xmlns:a16="http://schemas.microsoft.com/office/drawing/2014/main" id="{E95CA87F-D5AE-B9BC-E6D6-D06AD99F21DA}"/>
+              </a:ext>
+            </a:extLst>
+          </p:cNvPr>
+          <p:cNvSpPr>
+            <a:spLocks noGrp="1"/>
+          </p:cNvSpPr>
+          <p:nvPr>
+            <p:ph type="title"/>
+          </p:nvPr>
+        </p:nvSpPr>
+        <p:spPr>
+          <a:xfrm>
+            <a:off x="838200" y="1"/>
+            <a:ext cx="10515600" cy="593312"/>
+          </a:xfrm>
+        </p:spPr>
+        <p:txBody>
+          <a:bodyPr>
+            <a:normAutofit fontScale="90000"/>
+          </a:bodyPr>
+          <a:lstStyle/>
+          <a:p>
+            <a:r>
+              <a:rPr lang="en-IN" dirty="0"/>
+              <a:t>Evaluation and Similarity</a:t>
+            </a:r>
+            <a:endParaRPr lang="en-GB" dirty="0"/>
+          </a:p>
+        </p:txBody>
+      </p:sp>
+      <p:sp>
+        <p:nvSpPr>
+          <p:cNvPr id="3" name="Content Placeholder 2">
+            <a:extLst>
+              <a:ext uri="{FF2B5EF4-FFF2-40B4-BE49-F238E27FC236}">
+                <a16:creationId xmlns:a16="http://schemas.microsoft.com/office/drawing/2014/main" id="{294A057A-0F85-47D0-9789-E448581931EB}"/>
+              </a:ext>
+            </a:extLst>
+          </p:cNvPr>
+          <p:cNvSpPr>
+            <a:spLocks noGrp="1"/>
+          </p:cNvSpPr>
+          <p:nvPr>
+            <p:ph idx="1"/>
+          </p:nvPr>
+        </p:nvSpPr>
+        <p:spPr/>
+        <p:txBody>
+          <a:bodyPr/>
+          <a:lstStyle/>
+          <a:p>
+            <a:endParaRPr lang="en-IN" dirty="0"/>
+          </a:p>
+          <a:p>
+            <a:endParaRPr lang="en-IN" dirty="0"/>
+          </a:p>
+          <a:p>
+            <a:endParaRPr lang="en-IN" dirty="0"/>
+          </a:p>
+          <a:p>
+            <a:endParaRPr lang="en-IN" dirty="0"/>
+          </a:p>
+          <a:p>
+            <a:endParaRPr lang="en-IN" dirty="0"/>
+          </a:p>
+          <a:p>
+            <a:endParaRPr lang="en-IN" dirty="0"/>
+          </a:p>
+          <a:p>
+            <a:endParaRPr lang="en-GB" dirty="0"/>
+          </a:p>
+        </p:txBody>
+      </p:sp>
+      <p:graphicFrame>
+        <p:nvGraphicFramePr>
+          <p:cNvPr id="5" name="Table 4">
+            <a:extLst>
+              <a:ext uri="{FF2B5EF4-FFF2-40B4-BE49-F238E27FC236}">
+                <a16:creationId xmlns:a16="http://schemas.microsoft.com/office/drawing/2014/main" id="{67A68186-E9BE-A477-D078-B4338F3A5AAF}"/>
+              </a:ext>
+            </a:extLst>
+          </p:cNvPr>
+          <p:cNvGraphicFramePr>
+            <a:graphicFrameLocks noGrp="1"/>
+          </p:cNvGraphicFramePr>
+          <p:nvPr>
+            <p:extLst>
+              <p:ext uri="{D42A27DB-BD31-4B8C-83A1-F6EECF244321}">
+                <p14:modId xmlns:p14="http://schemas.microsoft.com/office/powerpoint/2010/main" val="3601220198"/>
+              </p:ext>
+            </p:extLst>
+          </p:nvPr>
+        </p:nvGraphicFramePr>
+        <p:xfrm>
+          <a:off x="614835" y="546779"/>
+          <a:ext cx="10515600" cy="1219200"/>
+        </p:xfrm>
+        <a:graphic>
+          <a:graphicData uri="http://schemas.openxmlformats.org/drawingml/2006/table">
+            <a:tbl>
+              <a:tblPr firstRow="1">
+                <a:tableStyleId>{7E9639D4-E3E2-4D34-9284-5A2195B3D0D7}</a:tableStyleId>
+              </a:tblPr>
+              <a:tblGrid>
+                <a:gridCol w="2628900">
+                  <a:extLst>
+                    <a:ext uri="{9D8B030D-6E8A-4147-A177-3AD203B41FA5}">
+                      <a16:colId xmlns:a16="http://schemas.microsoft.com/office/drawing/2014/main" val="3826210098"/>
+                    </a:ext>
+                  </a:extLst>
+                </a:gridCol>
+                <a:gridCol w="2628900">
+                  <a:extLst>
+                    <a:ext uri="{9D8B030D-6E8A-4147-A177-3AD203B41FA5}">
+                      <a16:colId xmlns:a16="http://schemas.microsoft.com/office/drawing/2014/main" val="277821989"/>
+                    </a:ext>
+                  </a:extLst>
+                </a:gridCol>
+                <a:gridCol w="2628900">
+                  <a:extLst>
+                    <a:ext uri="{9D8B030D-6E8A-4147-A177-3AD203B41FA5}">
+                      <a16:colId xmlns:a16="http://schemas.microsoft.com/office/drawing/2014/main" val="977415526"/>
+                    </a:ext>
+                  </a:extLst>
+                </a:gridCol>
+                <a:gridCol w="2628900">
+                  <a:extLst>
+                    <a:ext uri="{9D8B030D-6E8A-4147-A177-3AD203B41FA5}">
+                      <a16:colId xmlns:a16="http://schemas.microsoft.com/office/drawing/2014/main" val="1115024564"/>
+                    </a:ext>
+                  </a:extLst>
+                </a:gridCol>
+              </a:tblGrid>
+              <a:tr h="0">
+                <a:tc>
+                  <a:txBody>
+                    <a:bodyPr/>
+                    <a:lstStyle/>
+                    <a:p>
+                      <a:pPr>
+                        <a:buNone/>
+                      </a:pPr>
+                      <a:r>
+                        <a:rPr lang="en-GB" sz="1400" dirty="0"/>
+                        <a:t>Metric</a:t>
+                      </a:r>
+                    </a:p>
+                  </a:txBody>
+                  <a:tcPr anchor="ctr">
+                    <a:lnL w="12700" cap="flat" cmpd="sng" algn="ctr">
+                      <a:solidFill>
+                        <a:schemeClr val="tx1"/>
+                      </a:solidFill>
+                      <a:prstDash val="solid"/>
+                      <a:round/>
+                      <a:headEnd type="none" w="med" len="med"/>
+                      <a:tailEnd type="none" w="med" len="med"/>
+                    </a:lnL>
+                    <a:lnR w="12700" cap="flat" cmpd="sng" algn="ctr">
+                      <a:solidFill>
+                        <a:schemeClr val="tx1"/>
+                      </a:solidFill>
+                      <a:prstDash val="solid"/>
+                      <a:round/>
+                      <a:headEnd type="none" w="med" len="med"/>
+                      <a:tailEnd type="none" w="med" len="med"/>
+                    </a:lnR>
+                    <a:lnT w="12700" cap="flat" cmpd="sng" algn="ctr">
+                      <a:solidFill>
+                        <a:schemeClr val="tx1"/>
+                      </a:solidFill>
+                      <a:prstDash val="solid"/>
+                      <a:round/>
+                      <a:headEnd type="none" w="med" len="med"/>
+                      <a:tailEnd type="none" w="med" len="med"/>
+                    </a:lnT>
+                    <a:lnB w="12700" cap="flat" cmpd="sng" algn="ctr">
+                      <a:solidFill>
+                        <a:schemeClr val="tx1"/>
+                      </a:solidFill>
+                      <a:prstDash val="solid"/>
+                      <a:round/>
+                      <a:headEnd type="none" w="med" len="med"/>
+                      <a:tailEnd type="none" w="med" len="med"/>
+                    </a:lnB>
+                  </a:tcPr>
+                </a:tc>
+                <a:tc>
+                  <a:txBody>
+                    <a:bodyPr/>
+                    <a:lstStyle/>
+                    <a:p>
+                      <a:pPr>
+                        <a:buNone/>
+                      </a:pPr>
+                      <a:r>
+                        <a:rPr lang="en-GB" sz="1400"/>
+                        <a:t>Used at</a:t>
+                      </a:r>
+                    </a:p>
+                  </a:txBody>
+                  <a:tcPr anchor="ctr">
+                    <a:lnL w="12700" cap="flat" cmpd="sng" algn="ctr">
+                      <a:solidFill>
+                        <a:schemeClr val="tx1"/>
+                      </a:solidFill>
+                      <a:prstDash val="solid"/>
+                      <a:round/>
+                      <a:headEnd type="none" w="med" len="med"/>
+                      <a:tailEnd type="none" w="med" len="med"/>
+                    </a:lnL>
+                    <a:lnR w="12700" cap="flat" cmpd="sng" algn="ctr">
+                      <a:solidFill>
+                        <a:schemeClr val="tx1"/>
+                      </a:solidFill>
+                      <a:prstDash val="solid"/>
+                      <a:round/>
+                      <a:headEnd type="none" w="med" len="med"/>
+                      <a:tailEnd type="none" w="med" len="med"/>
+                    </a:lnR>
+                    <a:lnT w="12700" cap="flat" cmpd="sng" algn="ctr">
+                      <a:solidFill>
+                        <a:schemeClr val="tx1"/>
+                      </a:solidFill>
+                      <a:prstDash val="solid"/>
+                      <a:round/>
+                      <a:headEnd type="none" w="med" len="med"/>
+                      <a:tailEnd type="none" w="med" len="med"/>
+                    </a:lnT>
+                    <a:lnB w="12700" cap="flat" cmpd="sng" algn="ctr">
+                      <a:solidFill>
+                        <a:schemeClr val="tx1"/>
+                      </a:solidFill>
+                      <a:prstDash val="solid"/>
+                      <a:round/>
+                      <a:headEnd type="none" w="med" len="med"/>
+                      <a:tailEnd type="none" w="med" len="med"/>
+                    </a:lnB>
+                  </a:tcPr>
+                </a:tc>
+                <a:tc>
+                  <a:txBody>
+                    <a:bodyPr/>
+                    <a:lstStyle/>
+                    <a:p>
+                      <a:pPr>
+                        <a:buNone/>
+                      </a:pPr>
+                      <a:r>
+                        <a:rPr lang="en-GB" sz="1400"/>
+                        <a:t>Measures</a:t>
+                      </a:r>
+                    </a:p>
+                  </a:txBody>
+                  <a:tcPr anchor="ctr">
+                    <a:lnL w="12700" cap="flat" cmpd="sng" algn="ctr">
+                      <a:solidFill>
+                        <a:schemeClr val="tx1"/>
+                      </a:solidFill>
+                      <a:prstDash val="solid"/>
+                      <a:round/>
+                      <a:headEnd type="none" w="med" len="med"/>
+                      <a:tailEnd type="none" w="med" len="med"/>
+                    </a:lnL>
+                    <a:lnR w="12700" cap="flat" cmpd="sng" algn="ctr">
+                      <a:solidFill>
+                        <a:schemeClr val="tx1"/>
+                      </a:solidFill>
+                      <a:prstDash val="solid"/>
+                      <a:round/>
+                      <a:headEnd type="none" w="med" len="med"/>
+                      <a:tailEnd type="none" w="med" len="med"/>
+                    </a:lnR>
+                    <a:lnT w="12700" cap="flat" cmpd="sng" algn="ctr">
+                      <a:solidFill>
+                        <a:schemeClr val="tx1"/>
+                      </a:solidFill>
+                      <a:prstDash val="solid"/>
+                      <a:round/>
+                      <a:headEnd type="none" w="med" len="med"/>
+                      <a:tailEnd type="none" w="med" len="med"/>
+                    </a:lnT>
+                    <a:lnB w="12700" cap="flat" cmpd="sng" algn="ctr">
+                      <a:solidFill>
+                        <a:schemeClr val="tx1"/>
+                      </a:solidFill>
+                      <a:prstDash val="solid"/>
+                      <a:round/>
+                      <a:headEnd type="none" w="med" len="med"/>
+                      <a:tailEnd type="none" w="med" len="med"/>
+                    </a:lnB>
+                  </a:tcPr>
+                </a:tc>
+                <a:tc>
+                  <a:txBody>
+                    <a:bodyPr/>
+                    <a:lstStyle/>
+                    <a:p>
+                      <a:pPr>
+                        <a:buNone/>
+                      </a:pPr>
+                      <a:r>
+                        <a:rPr lang="en-GB" sz="1400"/>
+                        <a:t>Example role</a:t>
+                      </a:r>
+                    </a:p>
+                  </a:txBody>
+                  <a:tcPr anchor="ctr">
+                    <a:lnL w="12700" cap="flat" cmpd="sng" algn="ctr">
+                      <a:solidFill>
+                        <a:schemeClr val="tx1"/>
+                      </a:solidFill>
+                      <a:prstDash val="solid"/>
+                      <a:round/>
+                      <a:headEnd type="none" w="med" len="med"/>
+                      <a:tailEnd type="none" w="med" len="med"/>
+                    </a:lnL>
+                    <a:lnR w="12700" cap="flat" cmpd="sng" algn="ctr">
+                      <a:solidFill>
+                        <a:schemeClr val="tx1"/>
+                      </a:solidFill>
+                      <a:prstDash val="solid"/>
+                      <a:round/>
+                      <a:headEnd type="none" w="med" len="med"/>
+                      <a:tailEnd type="none" w="med" len="med"/>
+                    </a:lnR>
+                    <a:lnT w="12700" cap="flat" cmpd="sng" algn="ctr">
+                      <a:solidFill>
+                        <a:schemeClr val="tx1"/>
+                      </a:solidFill>
+                      <a:prstDash val="solid"/>
+                      <a:round/>
+                      <a:headEnd type="none" w="med" len="med"/>
+                      <a:tailEnd type="none" w="med" len="med"/>
+                    </a:lnT>
+                    <a:lnB w="12700" cap="flat" cmpd="sng" algn="ctr">
+                      <a:solidFill>
+                        <a:schemeClr val="tx1"/>
+                      </a:solidFill>
+                      <a:prstDash val="solid"/>
+                      <a:round/>
+                      <a:headEnd type="none" w="med" len="med"/>
+                      <a:tailEnd type="none" w="med" len="med"/>
+                    </a:lnB>
+                  </a:tcPr>
+                </a:tc>
+                <a:extLst>
+                  <a:ext uri="{0D108BD9-81ED-4DB2-BD59-A6C34878D82A}">
+                    <a16:rowId xmlns:a16="http://schemas.microsoft.com/office/drawing/2014/main" val="394426804"/>
+                  </a:ext>
+                </a:extLst>
+              </a:tr>
+              <a:tr h="0">
+                <a:tc>
+                  <a:txBody>
+                    <a:bodyPr/>
+                    <a:lstStyle/>
+                    <a:p>
+                      <a:pPr>
+                        <a:buNone/>
+                      </a:pPr>
+                      <a:r>
+                        <a:rPr lang="en-GB" sz="1400" b="1" dirty="0"/>
+                        <a:t>Cosine Similarity</a:t>
+                      </a:r>
+                    </a:p>
+                  </a:txBody>
+                  <a:tcPr anchor="ctr">
+                    <a:lnL w="12700" cap="flat" cmpd="sng" algn="ctr">
+                      <a:solidFill>
+                        <a:schemeClr val="tx1"/>
+                      </a:solidFill>
+                      <a:prstDash val="solid"/>
+                      <a:round/>
+                      <a:headEnd type="none" w="med" len="med"/>
+                      <a:tailEnd type="none" w="med" len="med"/>
+                    </a:lnL>
+                    <a:lnR w="12700" cap="flat" cmpd="sng" algn="ctr">
+                      <a:solidFill>
+                        <a:schemeClr val="tx1"/>
+                      </a:solidFill>
+                      <a:prstDash val="solid"/>
+                      <a:round/>
+                      <a:headEnd type="none" w="med" len="med"/>
+                      <a:tailEnd type="none" w="med" len="med"/>
+                    </a:lnR>
+                    <a:lnT w="12700" cap="flat" cmpd="sng" algn="ctr">
+                      <a:solidFill>
+                        <a:schemeClr val="tx1"/>
+                      </a:solidFill>
+                      <a:prstDash val="solid"/>
+                      <a:round/>
+                      <a:headEnd type="none" w="med" len="med"/>
+                      <a:tailEnd type="none" w="med" len="med"/>
+                    </a:lnT>
+                    <a:lnB w="12700" cap="flat" cmpd="sng" algn="ctr">
+                      <a:solidFill>
+                        <a:schemeClr val="tx1"/>
+                      </a:solidFill>
+                      <a:prstDash val="solid"/>
+                      <a:round/>
+                      <a:headEnd type="none" w="med" len="med"/>
+                      <a:tailEnd type="none" w="med" len="med"/>
+                    </a:lnB>
+                  </a:tcPr>
+                </a:tc>
+                <a:tc>
+                  <a:txBody>
+                    <a:bodyPr/>
+                    <a:lstStyle/>
+                    <a:p>
+                      <a:pPr>
+                        <a:buNone/>
+                      </a:pPr>
+                      <a:r>
+                        <a:rPr lang="en-GB" sz="1400"/>
+                        <a:t>Before / during clustering</a:t>
+                      </a:r>
+                    </a:p>
+                  </a:txBody>
+                  <a:tcPr anchor="ctr">
+                    <a:lnL w="12700" cap="flat" cmpd="sng" algn="ctr">
+                      <a:solidFill>
+                        <a:schemeClr val="tx1"/>
+                      </a:solidFill>
+                      <a:prstDash val="solid"/>
+                      <a:round/>
+                      <a:headEnd type="none" w="med" len="med"/>
+                      <a:tailEnd type="none" w="med" len="med"/>
+                    </a:lnL>
+                    <a:lnR w="12700" cap="flat" cmpd="sng" algn="ctr">
+                      <a:solidFill>
+                        <a:schemeClr val="tx1"/>
+                      </a:solidFill>
+                      <a:prstDash val="solid"/>
+                      <a:round/>
+                      <a:headEnd type="none" w="med" len="med"/>
+                      <a:tailEnd type="none" w="med" len="med"/>
+                    </a:lnR>
+                    <a:lnT w="12700" cap="flat" cmpd="sng" algn="ctr">
+                      <a:solidFill>
+                        <a:schemeClr val="tx1"/>
+                      </a:solidFill>
+                      <a:prstDash val="solid"/>
+                      <a:round/>
+                      <a:headEnd type="none" w="med" len="med"/>
+                      <a:tailEnd type="none" w="med" len="med"/>
+                    </a:lnT>
+                    <a:lnB w="12700" cap="flat" cmpd="sng" algn="ctr">
+                      <a:solidFill>
+                        <a:schemeClr val="tx1"/>
+                      </a:solidFill>
+                      <a:prstDash val="solid"/>
+                      <a:round/>
+                      <a:headEnd type="none" w="med" len="med"/>
+                      <a:tailEnd type="none" w="med" len="med"/>
+                    </a:lnB>
+                  </a:tcPr>
+                </a:tc>
+                <a:tc>
+                  <a:txBody>
+                    <a:bodyPr/>
+                    <a:lstStyle/>
+                    <a:p>
+                      <a:pPr>
+                        <a:buNone/>
+                      </a:pPr>
+                      <a:r>
+                        <a:rPr lang="en-GB" sz="1400"/>
+                        <a:t>Point similarity</a:t>
+                      </a:r>
+                    </a:p>
+                  </a:txBody>
+                  <a:tcPr anchor="ctr">
+                    <a:lnL w="12700" cap="flat" cmpd="sng" algn="ctr">
+                      <a:solidFill>
+                        <a:schemeClr val="tx1"/>
+                      </a:solidFill>
+                      <a:prstDash val="solid"/>
+                      <a:round/>
+                      <a:headEnd type="none" w="med" len="med"/>
+                      <a:tailEnd type="none" w="med" len="med"/>
+                    </a:lnL>
+                    <a:lnR w="12700" cap="flat" cmpd="sng" algn="ctr">
+                      <a:solidFill>
+                        <a:schemeClr val="tx1"/>
+                      </a:solidFill>
+                      <a:prstDash val="solid"/>
+                      <a:round/>
+                      <a:headEnd type="none" w="med" len="med"/>
+                      <a:tailEnd type="none" w="med" len="med"/>
+                    </a:lnR>
+                    <a:lnT w="12700" cap="flat" cmpd="sng" algn="ctr">
+                      <a:solidFill>
+                        <a:schemeClr val="tx1"/>
+                      </a:solidFill>
+                      <a:prstDash val="solid"/>
+                      <a:round/>
+                      <a:headEnd type="none" w="med" len="med"/>
+                      <a:tailEnd type="none" w="med" len="med"/>
+                    </a:lnT>
+                    <a:lnB w="12700" cap="flat" cmpd="sng" algn="ctr">
+                      <a:solidFill>
+                        <a:schemeClr val="tx1"/>
+                      </a:solidFill>
+                      <a:prstDash val="solid"/>
+                      <a:round/>
+                      <a:headEnd type="none" w="med" len="med"/>
+                      <a:tailEnd type="none" w="med" len="med"/>
+                    </a:lnB>
+                  </a:tcPr>
+                </a:tc>
+                <a:tc>
+                  <a:txBody>
+                    <a:bodyPr/>
+                    <a:lstStyle/>
+                    <a:p>
+                      <a:pPr>
+                        <a:buNone/>
+                      </a:pPr>
+                      <a:r>
+                        <a:rPr lang="en-GB" sz="1400"/>
+                        <a:t>Compare customers</a:t>
+                      </a:r>
+                    </a:p>
+                  </a:txBody>
+                  <a:tcPr anchor="ctr">
+                    <a:lnL w="12700" cap="flat" cmpd="sng" algn="ctr">
+                      <a:solidFill>
+                        <a:schemeClr val="tx1"/>
+                      </a:solidFill>
+                      <a:prstDash val="solid"/>
+                      <a:round/>
+                      <a:headEnd type="none" w="med" len="med"/>
+                      <a:tailEnd type="none" w="med" len="med"/>
+                    </a:lnL>
+                    <a:lnR w="12700" cap="flat" cmpd="sng" algn="ctr">
+                      <a:solidFill>
+                        <a:schemeClr val="tx1"/>
+                      </a:solidFill>
+                      <a:prstDash val="solid"/>
+                      <a:round/>
+                      <a:headEnd type="none" w="med" len="med"/>
+                      <a:tailEnd type="none" w="med" len="med"/>
+                    </a:lnR>
+                    <a:lnT w="12700" cap="flat" cmpd="sng" algn="ctr">
+                      <a:solidFill>
+                        <a:schemeClr val="tx1"/>
+                      </a:solidFill>
+                      <a:prstDash val="solid"/>
+                      <a:round/>
+                      <a:headEnd type="none" w="med" len="med"/>
+                      <a:tailEnd type="none" w="med" len="med"/>
+                    </a:lnT>
+                    <a:lnB w="12700" cap="flat" cmpd="sng" algn="ctr">
+                      <a:solidFill>
+                        <a:schemeClr val="tx1"/>
+                      </a:solidFill>
+                      <a:prstDash val="solid"/>
+                      <a:round/>
+                      <a:headEnd type="none" w="med" len="med"/>
+                      <a:tailEnd type="none" w="med" len="med"/>
+                    </a:lnB>
+                  </a:tcPr>
+                </a:tc>
+                <a:extLst>
+                  <a:ext uri="{0D108BD9-81ED-4DB2-BD59-A6C34878D82A}">
+                    <a16:rowId xmlns:a16="http://schemas.microsoft.com/office/drawing/2014/main" val="1086551247"/>
+                  </a:ext>
+                </a:extLst>
+              </a:tr>
+              <a:tr h="0">
+                <a:tc>
+                  <a:txBody>
+                    <a:bodyPr/>
+                    <a:lstStyle/>
+                    <a:p>
+                      <a:pPr>
+                        <a:buNone/>
+                      </a:pPr>
+                      <a:r>
+                        <a:rPr lang="en-GB" sz="1400" b="1" dirty="0"/>
+                        <a:t>Silhouette Score</a:t>
+                      </a:r>
+                    </a:p>
+                  </a:txBody>
+                  <a:tcPr anchor="ctr">
+                    <a:lnL w="12700" cap="flat" cmpd="sng" algn="ctr">
+                      <a:solidFill>
+                        <a:schemeClr val="tx1"/>
+                      </a:solidFill>
+                      <a:prstDash val="solid"/>
+                      <a:round/>
+                      <a:headEnd type="none" w="med" len="med"/>
+                      <a:tailEnd type="none" w="med" len="med"/>
+                    </a:lnL>
+                    <a:lnR w="12700" cap="flat" cmpd="sng" algn="ctr">
+                      <a:solidFill>
+                        <a:schemeClr val="tx1"/>
+                      </a:solidFill>
+                      <a:prstDash val="solid"/>
+                      <a:round/>
+                      <a:headEnd type="none" w="med" len="med"/>
+                      <a:tailEnd type="none" w="med" len="med"/>
+                    </a:lnR>
+                    <a:lnT w="12700" cap="flat" cmpd="sng" algn="ctr">
+                      <a:solidFill>
+                        <a:schemeClr val="tx1"/>
+                      </a:solidFill>
+                      <a:prstDash val="solid"/>
+                      <a:round/>
+                      <a:headEnd type="none" w="med" len="med"/>
+                      <a:tailEnd type="none" w="med" len="med"/>
+                    </a:lnT>
+                    <a:lnB w="12700" cap="flat" cmpd="sng" algn="ctr">
+                      <a:solidFill>
+                        <a:schemeClr val="tx1"/>
+                      </a:solidFill>
+                      <a:prstDash val="solid"/>
+                      <a:round/>
+                      <a:headEnd type="none" w="med" len="med"/>
+                      <a:tailEnd type="none" w="med" len="med"/>
+                    </a:lnB>
+                  </a:tcPr>
+                </a:tc>
+                <a:tc>
+                  <a:txBody>
+                    <a:bodyPr/>
+                    <a:lstStyle/>
+                    <a:p>
+                      <a:pPr>
+                        <a:buNone/>
+                      </a:pPr>
+                      <a:r>
+                        <a:rPr lang="en-GB" sz="1400"/>
+                        <a:t>After clustering</a:t>
+                      </a:r>
+                    </a:p>
+                  </a:txBody>
+                  <a:tcPr anchor="ctr">
+                    <a:lnL w="12700" cap="flat" cmpd="sng" algn="ctr">
+                      <a:solidFill>
+                        <a:schemeClr val="tx1"/>
+                      </a:solidFill>
+                      <a:prstDash val="solid"/>
+                      <a:round/>
+                      <a:headEnd type="none" w="med" len="med"/>
+                      <a:tailEnd type="none" w="med" len="med"/>
+                    </a:lnL>
+                    <a:lnR w="12700" cap="flat" cmpd="sng" algn="ctr">
+                      <a:solidFill>
+                        <a:schemeClr val="tx1"/>
+                      </a:solidFill>
+                      <a:prstDash val="solid"/>
+                      <a:round/>
+                      <a:headEnd type="none" w="med" len="med"/>
+                      <a:tailEnd type="none" w="med" len="med"/>
+                    </a:lnR>
+                    <a:lnT w="12700" cap="flat" cmpd="sng" algn="ctr">
+                      <a:solidFill>
+                        <a:schemeClr val="tx1"/>
+                      </a:solidFill>
+                      <a:prstDash val="solid"/>
+                      <a:round/>
+                      <a:headEnd type="none" w="med" len="med"/>
+                      <a:tailEnd type="none" w="med" len="med"/>
+                    </a:lnT>
+                    <a:lnB w="12700" cap="flat" cmpd="sng" algn="ctr">
+                      <a:solidFill>
+                        <a:schemeClr val="tx1"/>
+                      </a:solidFill>
+                      <a:prstDash val="solid"/>
+                      <a:round/>
+                      <a:headEnd type="none" w="med" len="med"/>
+                      <a:tailEnd type="none" w="med" len="med"/>
+                    </a:lnB>
+                  </a:tcPr>
+                </a:tc>
+                <a:tc>
+                  <a:txBody>
+                    <a:bodyPr/>
+                    <a:lstStyle/>
+                    <a:p>
+                      <a:pPr>
+                        <a:buNone/>
+                      </a:pPr>
+                      <a:r>
+                        <a:rPr lang="en-GB" sz="1400"/>
+                        <a:t>Point-level cluster quality</a:t>
+                      </a:r>
+                    </a:p>
+                  </a:txBody>
+                  <a:tcPr anchor="ctr">
+                    <a:lnL w="12700" cap="flat" cmpd="sng" algn="ctr">
+                      <a:solidFill>
+                        <a:schemeClr val="tx1"/>
+                      </a:solidFill>
+                      <a:prstDash val="solid"/>
+                      <a:round/>
+                      <a:headEnd type="none" w="med" len="med"/>
+                      <a:tailEnd type="none" w="med" len="med"/>
+                    </a:lnL>
+                    <a:lnR w="12700" cap="flat" cmpd="sng" algn="ctr">
+                      <a:solidFill>
+                        <a:schemeClr val="tx1"/>
+                      </a:solidFill>
+                      <a:prstDash val="solid"/>
+                      <a:round/>
+                      <a:headEnd type="none" w="med" len="med"/>
+                      <a:tailEnd type="none" w="med" len="med"/>
+                    </a:lnR>
+                    <a:lnT w="12700" cap="flat" cmpd="sng" algn="ctr">
+                      <a:solidFill>
+                        <a:schemeClr val="tx1"/>
+                      </a:solidFill>
+                      <a:prstDash val="solid"/>
+                      <a:round/>
+                      <a:headEnd type="none" w="med" len="med"/>
+                      <a:tailEnd type="none" w="med" len="med"/>
+                    </a:lnT>
+                    <a:lnB w="12700" cap="flat" cmpd="sng" algn="ctr">
+                      <a:solidFill>
+                        <a:schemeClr val="tx1"/>
+                      </a:solidFill>
+                      <a:prstDash val="solid"/>
+                      <a:round/>
+                      <a:headEnd type="none" w="med" len="med"/>
+                      <a:tailEnd type="none" w="med" len="med"/>
+                    </a:lnB>
+                  </a:tcPr>
+                </a:tc>
+                <a:tc>
+                  <a:txBody>
+                    <a:bodyPr/>
+                    <a:lstStyle/>
+                    <a:p>
+                      <a:pPr>
+                        <a:buNone/>
+                      </a:pPr>
+                      <a:r>
+                        <a:rPr lang="en-GB" sz="1400"/>
+                        <a:t>Does a point belong?</a:t>
+                      </a:r>
+                    </a:p>
+                  </a:txBody>
+                  <a:tcPr anchor="ctr">
+                    <a:lnL w="12700" cap="flat" cmpd="sng" algn="ctr">
+                      <a:solidFill>
+                        <a:schemeClr val="tx1"/>
+                      </a:solidFill>
+                      <a:prstDash val="solid"/>
+                      <a:round/>
+                      <a:headEnd type="none" w="med" len="med"/>
+                      <a:tailEnd type="none" w="med" len="med"/>
+                    </a:lnL>
+                    <a:lnR w="12700" cap="flat" cmpd="sng" algn="ctr">
+                      <a:solidFill>
+                        <a:schemeClr val="tx1"/>
+                      </a:solidFill>
+                      <a:prstDash val="solid"/>
+                      <a:round/>
+                      <a:headEnd type="none" w="med" len="med"/>
+                      <a:tailEnd type="none" w="med" len="med"/>
+                    </a:lnR>
+                    <a:lnT w="12700" cap="flat" cmpd="sng" algn="ctr">
+                      <a:solidFill>
+                        <a:schemeClr val="tx1"/>
+                      </a:solidFill>
+                      <a:prstDash val="solid"/>
+                      <a:round/>
+                      <a:headEnd type="none" w="med" len="med"/>
+                      <a:tailEnd type="none" w="med" len="med"/>
+                    </a:lnT>
+                    <a:lnB w="12700" cap="flat" cmpd="sng" algn="ctr">
+                      <a:solidFill>
+                        <a:schemeClr val="tx1"/>
+                      </a:solidFill>
+                      <a:prstDash val="solid"/>
+                      <a:round/>
+                      <a:headEnd type="none" w="med" len="med"/>
+                      <a:tailEnd type="none" w="med" len="med"/>
+                    </a:lnB>
+                  </a:tcPr>
+                </a:tc>
+                <a:extLst>
+                  <a:ext uri="{0D108BD9-81ED-4DB2-BD59-A6C34878D82A}">
+                    <a16:rowId xmlns:a16="http://schemas.microsoft.com/office/drawing/2014/main" val="524927834"/>
+                  </a:ext>
+                </a:extLst>
+              </a:tr>
+              <a:tr h="0">
+                <a:tc>
+                  <a:txBody>
+                    <a:bodyPr/>
+                    <a:lstStyle/>
+                    <a:p>
+                      <a:pPr>
+                        <a:buNone/>
+                      </a:pPr>
+                      <a:r>
+                        <a:rPr lang="en-GB" sz="1400" b="1" dirty="0"/>
+                        <a:t>Davies–Bouldin</a:t>
+                      </a:r>
+                    </a:p>
+                  </a:txBody>
+                  <a:tcPr anchor="ctr">
+                    <a:lnL w="12700" cap="flat" cmpd="sng" algn="ctr">
+                      <a:solidFill>
+                        <a:schemeClr val="tx1"/>
+                      </a:solidFill>
+                      <a:prstDash val="solid"/>
+                      <a:round/>
+                      <a:headEnd type="none" w="med" len="med"/>
+                      <a:tailEnd type="none" w="med" len="med"/>
+                    </a:lnL>
+                    <a:lnR w="12700" cap="flat" cmpd="sng" algn="ctr">
+                      <a:solidFill>
+                        <a:schemeClr val="tx1"/>
+                      </a:solidFill>
+                      <a:prstDash val="solid"/>
+                      <a:round/>
+                      <a:headEnd type="none" w="med" len="med"/>
+                      <a:tailEnd type="none" w="med" len="med"/>
+                    </a:lnR>
+                    <a:lnT w="12700" cap="flat" cmpd="sng" algn="ctr">
+                      <a:solidFill>
+                        <a:schemeClr val="tx1"/>
+                      </a:solidFill>
+                      <a:prstDash val="solid"/>
+                      <a:round/>
+                      <a:headEnd type="none" w="med" len="med"/>
+                      <a:tailEnd type="none" w="med" len="med"/>
+                    </a:lnT>
+                    <a:lnB w="12700" cap="flat" cmpd="sng" algn="ctr">
+                      <a:solidFill>
+                        <a:schemeClr val="tx1"/>
+                      </a:solidFill>
+                      <a:prstDash val="solid"/>
+                      <a:round/>
+                      <a:headEnd type="none" w="med" len="med"/>
+                      <a:tailEnd type="none" w="med" len="med"/>
+                    </a:lnB>
+                  </a:tcPr>
+                </a:tc>
+                <a:tc>
+                  <a:txBody>
+                    <a:bodyPr/>
+                    <a:lstStyle/>
+                    <a:p>
+                      <a:pPr>
+                        <a:buNone/>
+                      </a:pPr>
+                      <a:r>
+                        <a:rPr lang="en-GB" sz="1400" dirty="0"/>
+                        <a:t>After clustering</a:t>
+                      </a:r>
+                    </a:p>
+                  </a:txBody>
+                  <a:tcPr anchor="ctr">
+                    <a:lnL w="12700" cap="flat" cmpd="sng" algn="ctr">
+                      <a:solidFill>
+                        <a:schemeClr val="tx1"/>
+                      </a:solidFill>
+                      <a:prstDash val="solid"/>
+                      <a:round/>
+                      <a:headEnd type="none" w="med" len="med"/>
+                      <a:tailEnd type="none" w="med" len="med"/>
+                    </a:lnL>
+                    <a:lnR w="12700" cap="flat" cmpd="sng" algn="ctr">
+                      <a:solidFill>
+                        <a:schemeClr val="tx1"/>
+                      </a:solidFill>
+                      <a:prstDash val="solid"/>
+                      <a:round/>
+                      <a:headEnd type="none" w="med" len="med"/>
+                      <a:tailEnd type="none" w="med" len="med"/>
+                    </a:lnR>
+                    <a:lnT w="12700" cap="flat" cmpd="sng" algn="ctr">
+                      <a:solidFill>
+                        <a:schemeClr val="tx1"/>
+                      </a:solidFill>
+                      <a:prstDash val="solid"/>
+                      <a:round/>
+                      <a:headEnd type="none" w="med" len="med"/>
+                      <a:tailEnd type="none" w="med" len="med"/>
+                    </a:lnT>
+                    <a:lnB w="12700" cap="flat" cmpd="sng" algn="ctr">
+                      <a:solidFill>
+                        <a:schemeClr val="tx1"/>
+                      </a:solidFill>
+                      <a:prstDash val="solid"/>
+                      <a:round/>
+                      <a:headEnd type="none" w="med" len="med"/>
+                      <a:tailEnd type="none" w="med" len="med"/>
+                    </a:lnB>
+                  </a:tcPr>
+                </a:tc>
+                <a:tc>
+                  <a:txBody>
+                    <a:bodyPr/>
+                    <a:lstStyle/>
+                    <a:p>
+                      <a:pPr>
+                        <a:buNone/>
+                      </a:pPr>
+                      <a:r>
+                        <a:rPr lang="en-GB" sz="1400"/>
+                        <a:t>Cluster-level quality</a:t>
+                      </a:r>
+                    </a:p>
+                  </a:txBody>
+                  <a:tcPr anchor="ctr">
+                    <a:lnL w="12700" cap="flat" cmpd="sng" algn="ctr">
+                      <a:solidFill>
+                        <a:schemeClr val="tx1"/>
+                      </a:solidFill>
+                      <a:prstDash val="solid"/>
+                      <a:round/>
+                      <a:headEnd type="none" w="med" len="med"/>
+                      <a:tailEnd type="none" w="med" len="med"/>
+                    </a:lnL>
+                    <a:lnR w="12700" cap="flat" cmpd="sng" algn="ctr">
+                      <a:solidFill>
+                        <a:schemeClr val="tx1"/>
+                      </a:solidFill>
+                      <a:prstDash val="solid"/>
+                      <a:round/>
+                      <a:headEnd type="none" w="med" len="med"/>
+                      <a:tailEnd type="none" w="med" len="med"/>
+                    </a:lnR>
+                    <a:lnT w="12700" cap="flat" cmpd="sng" algn="ctr">
+                      <a:solidFill>
+                        <a:schemeClr val="tx1"/>
+                      </a:solidFill>
+                      <a:prstDash val="solid"/>
+                      <a:round/>
+                      <a:headEnd type="none" w="med" len="med"/>
+                      <a:tailEnd type="none" w="med" len="med"/>
+                    </a:lnT>
+                    <a:lnB w="12700" cap="flat" cmpd="sng" algn="ctr">
+                      <a:solidFill>
+                        <a:schemeClr val="tx1"/>
+                      </a:solidFill>
+                      <a:prstDash val="solid"/>
+                      <a:round/>
+                      <a:headEnd type="none" w="med" len="med"/>
+                      <a:tailEnd type="none" w="med" len="med"/>
+                    </a:lnB>
+                  </a:tcPr>
+                </a:tc>
+                <a:tc>
+                  <a:txBody>
+                    <a:bodyPr/>
+                    <a:lstStyle/>
+                    <a:p>
+                      <a:pPr>
+                        <a:buNone/>
+                      </a:pPr>
+                      <a:r>
+                        <a:rPr lang="en-GB" sz="1400" dirty="0"/>
+                        <a:t>Are clusters good?</a:t>
+                      </a:r>
+                    </a:p>
+                  </a:txBody>
+                  <a:tcPr anchor="ctr">
+                    <a:lnL w="12700" cap="flat" cmpd="sng" algn="ctr">
+                      <a:solidFill>
+                        <a:schemeClr val="tx1"/>
+                      </a:solidFill>
+                      <a:prstDash val="solid"/>
+                      <a:round/>
+                      <a:headEnd type="none" w="med" len="med"/>
+                      <a:tailEnd type="none" w="med" len="med"/>
+                    </a:lnL>
+                    <a:lnR w="12700" cap="flat" cmpd="sng" algn="ctr">
+                      <a:solidFill>
+                        <a:schemeClr val="tx1"/>
+                      </a:solidFill>
+                      <a:prstDash val="solid"/>
+                      <a:round/>
+                      <a:headEnd type="none" w="med" len="med"/>
+                      <a:tailEnd type="none" w="med" len="med"/>
+                    </a:lnR>
+                    <a:lnT w="12700" cap="flat" cmpd="sng" algn="ctr">
+                      <a:solidFill>
+                        <a:schemeClr val="tx1"/>
+                      </a:solidFill>
+                      <a:prstDash val="solid"/>
+                      <a:round/>
+                      <a:headEnd type="none" w="med" len="med"/>
+                      <a:tailEnd type="none" w="med" len="med"/>
+                    </a:lnT>
+                    <a:lnB w="12700" cap="flat" cmpd="sng" algn="ctr">
+                      <a:solidFill>
+                        <a:schemeClr val="tx1"/>
+                      </a:solidFill>
+                      <a:prstDash val="solid"/>
+                      <a:round/>
+                      <a:headEnd type="none" w="med" len="med"/>
+                      <a:tailEnd type="none" w="med" len="med"/>
+                    </a:lnB>
+                  </a:tcPr>
+                </a:tc>
+                <a:extLst>
+                  <a:ext uri="{0D108BD9-81ED-4DB2-BD59-A6C34878D82A}">
+                    <a16:rowId xmlns:a16="http://schemas.microsoft.com/office/drawing/2014/main" val="3482363790"/>
+                  </a:ext>
+                </a:extLst>
+              </a:tr>
+            </a:tbl>
+          </a:graphicData>
+        </a:graphic>
+      </p:graphicFrame>
+      <p:sp>
+        <p:nvSpPr>
+          <p:cNvPr id="6" name="TextBox 5">
+            <a:extLst>
+              <a:ext uri="{FF2B5EF4-FFF2-40B4-BE49-F238E27FC236}">
+                <a16:creationId xmlns:a16="http://schemas.microsoft.com/office/drawing/2014/main" id="{3131FE88-DCE9-1586-12FF-9355BFA15F22}"/>
+              </a:ext>
+            </a:extLst>
+          </p:cNvPr>
+          <p:cNvSpPr txBox="1"/>
+          <p:nvPr/>
+        </p:nvSpPr>
+        <p:spPr>
+          <a:xfrm>
+            <a:off x="195444" y="2045185"/>
+            <a:ext cx="2819982" cy="3754874"/>
+          </a:xfrm>
+          <a:prstGeom prst="rect">
+            <a:avLst/>
+          </a:prstGeom>
+          <a:solidFill>
+            <a:schemeClr val="accent4">
+              <a:lumMod val="20000"/>
+              <a:lumOff val="80000"/>
+            </a:schemeClr>
+          </a:solidFill>
+        </p:spPr>
+        <p:txBody>
+          <a:bodyPr wrap="square" rtlCol="0">
+            <a:spAutoFit/>
+          </a:bodyPr>
+          <a:lstStyle/>
+          <a:p>
+            <a:r>
+              <a:rPr lang="en-IN" sz="1400" dirty="0"/>
+              <a:t>Example: Run K-Means (k = 2) on customer data</a:t>
+            </a:r>
+          </a:p>
+          <a:p>
+            <a:endParaRPr lang="en-IN" sz="1400" dirty="0"/>
+          </a:p>
+          <a:p>
+            <a:r>
+              <a:rPr lang="en-IN" sz="1400" dirty="0"/>
+              <a:t>Features: Annual spending, Visit frequency</a:t>
+            </a:r>
+          </a:p>
+          <a:p>
+            <a:endParaRPr lang="en-IN" sz="1400" dirty="0"/>
+          </a:p>
+          <a:p>
+            <a:r>
+              <a:rPr lang="en-IN" sz="1400" dirty="0"/>
+              <a:t>Labels: Unknown (Unsupervised learning)</a:t>
+            </a:r>
+          </a:p>
+          <a:p>
+            <a:endParaRPr lang="en-IN" sz="1400" dirty="0"/>
+          </a:p>
+          <a:p>
+            <a:r>
+              <a:rPr lang="en-IN" sz="1400" dirty="0"/>
+              <a:t>After clustering</a:t>
+            </a:r>
+          </a:p>
+          <a:p>
+            <a:pPr marL="285750" indent="-285750">
+              <a:buFontTx/>
+              <a:buChar char="-"/>
+            </a:pPr>
+            <a:r>
+              <a:rPr lang="en-IN" sz="1400" dirty="0"/>
+              <a:t>Cluster A: Regular customers</a:t>
+            </a:r>
+          </a:p>
+          <a:p>
+            <a:pPr marL="285750" indent="-285750">
+              <a:buFontTx/>
+              <a:buChar char="-"/>
+            </a:pPr>
+            <a:r>
+              <a:rPr lang="en-IN" sz="1400" dirty="0"/>
+              <a:t>Cluster B: Occasional customers</a:t>
+            </a:r>
+          </a:p>
+          <a:p>
+            <a:endParaRPr lang="en-IN" sz="1400" dirty="0"/>
+          </a:p>
+          <a:p>
+            <a:r>
+              <a:rPr lang="en-IN" sz="1400" dirty="0"/>
+              <a:t>Objectives</a:t>
+            </a:r>
+          </a:p>
+          <a:p>
+            <a:pPr marL="342900" indent="-342900">
+              <a:buAutoNum type="arabicPeriod"/>
+            </a:pPr>
+            <a:r>
+              <a:rPr lang="en-IN" sz="1400" dirty="0"/>
+              <a:t>Measure similarity between points</a:t>
+            </a:r>
+          </a:p>
+          <a:p>
+            <a:pPr marL="342900" indent="-342900">
+              <a:buAutoNum type="arabicPeriod"/>
+            </a:pPr>
+            <a:r>
+              <a:rPr lang="en-IN" sz="1400" dirty="0"/>
+              <a:t>Judge how good clustering is</a:t>
+            </a:r>
+            <a:endParaRPr lang="en-GB" sz="1400" dirty="0"/>
+          </a:p>
+        </p:txBody>
+      </p:sp>
+      <p:sp>
+        <p:nvSpPr>
+          <p:cNvPr id="7" name="TextBox 6">
+            <a:extLst>
+              <a:ext uri="{FF2B5EF4-FFF2-40B4-BE49-F238E27FC236}">
+                <a16:creationId xmlns:a16="http://schemas.microsoft.com/office/drawing/2014/main" id="{E7004443-9153-9879-B538-078692FDCDF5}"/>
+              </a:ext>
+            </a:extLst>
+          </p:cNvPr>
+          <p:cNvSpPr txBox="1"/>
+          <p:nvPr/>
+        </p:nvSpPr>
+        <p:spPr>
+          <a:xfrm>
+            <a:off x="3052653" y="2045185"/>
+            <a:ext cx="2819982" cy="3970318"/>
+          </a:xfrm>
+          <a:prstGeom prst="rect">
+            <a:avLst/>
+          </a:prstGeom>
+          <a:solidFill>
+            <a:schemeClr val="accent4">
+              <a:lumMod val="20000"/>
+              <a:lumOff val="80000"/>
+            </a:schemeClr>
+          </a:solidFill>
+        </p:spPr>
+        <p:txBody>
+          <a:bodyPr wrap="square" rtlCol="0">
+            <a:spAutoFit/>
+          </a:bodyPr>
+          <a:lstStyle/>
+          <a:p>
+            <a:pPr algn="ctr"/>
+            <a:r>
+              <a:rPr lang="en-IN" sz="1400" b="1" dirty="0"/>
+              <a:t>Cosine Similarity</a:t>
+            </a:r>
+          </a:p>
+          <a:p>
+            <a:endParaRPr lang="en-GB" sz="1400" dirty="0"/>
+          </a:p>
+          <a:p>
+            <a:r>
+              <a:rPr lang="en-GB" sz="1400" dirty="0"/>
+              <a:t>Customer vectors</a:t>
+            </a:r>
+          </a:p>
+          <a:p>
+            <a:pPr marL="285750" indent="-285750">
+              <a:buFontTx/>
+              <a:buChar char="-"/>
+            </a:pPr>
+            <a:r>
+              <a:rPr lang="en-GB" sz="1400" dirty="0"/>
+              <a:t>Customer 1 = (High spending, High visits) -&gt; (8, 7)</a:t>
+            </a:r>
+          </a:p>
+          <a:p>
+            <a:pPr marL="285750" indent="-285750">
+              <a:buFontTx/>
+              <a:buChar char="-"/>
+            </a:pPr>
+            <a:r>
+              <a:rPr lang="en-GB" sz="1400" dirty="0"/>
+              <a:t>Customer 2 = (High spending, Medium visits) =&gt; (7, 6)</a:t>
+            </a:r>
+          </a:p>
+          <a:p>
+            <a:endParaRPr lang="en-GB" sz="1400" dirty="0"/>
+          </a:p>
+          <a:p>
+            <a:r>
+              <a:rPr lang="en-GB" sz="1400" dirty="0"/>
+              <a:t>Cosine similarity = High</a:t>
+            </a:r>
+          </a:p>
+          <a:p>
+            <a:pPr marL="285750" indent="-285750">
+              <a:buFontTx/>
+              <a:buChar char="-"/>
+            </a:pPr>
+            <a:r>
+              <a:rPr lang="en-GB" sz="1400" dirty="0"/>
+              <a:t>Both point in almost the same direction</a:t>
+            </a:r>
+          </a:p>
+          <a:p>
+            <a:pPr marL="285750" indent="-285750">
+              <a:buFontTx/>
+              <a:buChar char="-"/>
+            </a:pPr>
+            <a:r>
+              <a:rPr lang="en-GB" sz="1400" dirty="0"/>
+              <a:t>Even if spending amounts differs, their behaviour pattern is similar</a:t>
+            </a:r>
+          </a:p>
+          <a:p>
+            <a:endParaRPr lang="en-GB" sz="1400" dirty="0"/>
+          </a:p>
+          <a:p>
+            <a:r>
+              <a:rPr lang="en-GB" sz="1400" dirty="0"/>
+              <a:t>Summary: Helps decide which points are similar when no labels exist</a:t>
+            </a:r>
+          </a:p>
+        </p:txBody>
+      </p:sp>
+      <p:sp>
+        <p:nvSpPr>
+          <p:cNvPr id="8" name="TextBox 7">
+            <a:extLst>
+              <a:ext uri="{FF2B5EF4-FFF2-40B4-BE49-F238E27FC236}">
+                <a16:creationId xmlns:a16="http://schemas.microsoft.com/office/drawing/2014/main" id="{3873806F-F5C8-81C8-312E-C24DAEDDBD65}"/>
+              </a:ext>
+            </a:extLst>
+          </p:cNvPr>
+          <p:cNvSpPr txBox="1"/>
+          <p:nvPr/>
+        </p:nvSpPr>
+        <p:spPr>
+          <a:xfrm>
+            <a:off x="5909862" y="2045185"/>
+            <a:ext cx="2819982" cy="4616648"/>
+          </a:xfrm>
+          <a:prstGeom prst="rect">
+            <a:avLst/>
+          </a:prstGeom>
+          <a:solidFill>
+            <a:schemeClr val="accent4">
+              <a:lumMod val="20000"/>
+              <a:lumOff val="80000"/>
+            </a:schemeClr>
+          </a:solidFill>
+        </p:spPr>
+        <p:txBody>
+          <a:bodyPr wrap="square" rtlCol="0">
+            <a:spAutoFit/>
+          </a:bodyPr>
+          <a:lstStyle/>
+          <a:p>
+            <a:pPr algn="ctr"/>
+            <a:r>
+              <a:rPr lang="en-IN" sz="1400" b="1" dirty="0"/>
+              <a:t>Silhouette Score</a:t>
+            </a:r>
+          </a:p>
+          <a:p>
+            <a:endParaRPr lang="en-GB" sz="1400" dirty="0"/>
+          </a:p>
+          <a:p>
+            <a:r>
+              <a:rPr lang="en-GB" sz="1400" dirty="0"/>
+              <a:t>One customer in Cluster A</a:t>
+            </a:r>
+          </a:p>
+          <a:p>
+            <a:pPr marL="285750" indent="-285750">
+              <a:buFontTx/>
+              <a:buChar char="-"/>
+            </a:pPr>
+            <a:r>
+              <a:rPr lang="en-GB" sz="1400" dirty="0"/>
+              <a:t>a = Average distance to other customers in Cluster A</a:t>
+            </a:r>
+          </a:p>
+          <a:p>
+            <a:pPr marL="285750" indent="-285750">
+              <a:buFontTx/>
+              <a:buChar char="-"/>
+            </a:pPr>
+            <a:r>
+              <a:rPr lang="en-GB" sz="1400" dirty="0"/>
+              <a:t>b = Average distance to customers in nearest another cluster (B)</a:t>
+            </a:r>
+          </a:p>
+          <a:p>
+            <a:endParaRPr lang="en-GB" sz="1400" dirty="0"/>
+          </a:p>
+          <a:p>
+            <a:r>
+              <a:rPr lang="en-GB" sz="1400" dirty="0"/>
+              <a:t>If</a:t>
+            </a:r>
+          </a:p>
+          <a:p>
+            <a:pPr marL="285750" indent="-285750">
+              <a:buFontTx/>
+              <a:buChar char="-"/>
+            </a:pPr>
+            <a:r>
+              <a:rPr lang="en-GB" sz="1400" dirty="0"/>
+              <a:t>a is small (close to own cluster)</a:t>
+            </a:r>
+          </a:p>
+          <a:p>
+            <a:pPr marL="285750" indent="-285750">
+              <a:buFontTx/>
+              <a:buChar char="-"/>
+            </a:pPr>
+            <a:r>
+              <a:rPr lang="en-GB" sz="1400" dirty="0"/>
+              <a:t>b is large (far from another cluster)</a:t>
+            </a:r>
+          </a:p>
+          <a:p>
+            <a:endParaRPr lang="en-GB" sz="1400" dirty="0"/>
+          </a:p>
+          <a:p>
+            <a:r>
+              <a:rPr lang="en-GB" sz="1400" dirty="0"/>
+              <a:t>Silhouette score ≈ 1</a:t>
+            </a:r>
+          </a:p>
+          <a:p>
+            <a:endParaRPr lang="en-GB" sz="1400" dirty="0"/>
+          </a:p>
+          <a:p>
+            <a:r>
+              <a:rPr lang="en-GB" sz="1400" dirty="0"/>
+              <a:t>If score ≈ 1 -&gt; Correct cluster assignment</a:t>
+            </a:r>
+          </a:p>
+          <a:p>
+            <a:r>
+              <a:rPr lang="en-GB" sz="1400" dirty="0"/>
+              <a:t>If score ≈ 0 -&gt; Clusters overlap</a:t>
+            </a:r>
+          </a:p>
+          <a:p>
+            <a:r>
+              <a:rPr lang="en-GB" sz="1400" dirty="0"/>
+              <a:t>If score &lt; 0 -&gt; Wrong cluster assignment</a:t>
+            </a:r>
+          </a:p>
+        </p:txBody>
+      </p:sp>
+      <p:sp>
+        <p:nvSpPr>
+          <p:cNvPr id="9" name="TextBox 8">
+            <a:extLst>
+              <a:ext uri="{FF2B5EF4-FFF2-40B4-BE49-F238E27FC236}">
+                <a16:creationId xmlns:a16="http://schemas.microsoft.com/office/drawing/2014/main" id="{E2B2B866-D47E-11F5-5BA4-338323460F54}"/>
+              </a:ext>
+            </a:extLst>
+          </p:cNvPr>
+          <p:cNvSpPr txBox="1"/>
+          <p:nvPr/>
+        </p:nvSpPr>
+        <p:spPr>
+          <a:xfrm>
+            <a:off x="8767071" y="2045185"/>
+            <a:ext cx="2819982" cy="3108543"/>
+          </a:xfrm>
+          <a:prstGeom prst="rect">
+            <a:avLst/>
+          </a:prstGeom>
+          <a:solidFill>
+            <a:schemeClr val="accent4">
+              <a:lumMod val="20000"/>
+              <a:lumOff val="80000"/>
+            </a:schemeClr>
+          </a:solidFill>
+        </p:spPr>
+        <p:txBody>
+          <a:bodyPr wrap="square" rtlCol="0">
+            <a:spAutoFit/>
+          </a:bodyPr>
+          <a:lstStyle/>
+          <a:p>
+            <a:pPr algn="ctr"/>
+            <a:r>
+              <a:rPr lang="en-IN" sz="1400" b="1" dirty="0"/>
+              <a:t>Davies-Bouldin Index</a:t>
+            </a:r>
+          </a:p>
+          <a:p>
+            <a:endParaRPr lang="en-GB" sz="1400" dirty="0"/>
+          </a:p>
+          <a:p>
+            <a:r>
+              <a:rPr lang="en-US" sz="1400" dirty="0"/>
+              <a:t>Low DBI value</a:t>
+            </a:r>
+          </a:p>
+          <a:p>
+            <a:pPr marL="285750" indent="-285750">
+              <a:buFontTx/>
+              <a:buChar char="-"/>
+            </a:pPr>
+            <a:r>
+              <a:rPr lang="en-US" sz="1400" dirty="0"/>
+              <a:t>Cluster A: customers tightly grouped </a:t>
+            </a:r>
+          </a:p>
+          <a:p>
+            <a:pPr marL="285750" indent="-285750">
+              <a:buFontTx/>
+              <a:buChar char="-"/>
+            </a:pPr>
+            <a:r>
+              <a:rPr lang="en-US" sz="1400" dirty="0"/>
+              <a:t>Cluster B: customers tightly grouped </a:t>
+            </a:r>
+          </a:p>
+          <a:p>
+            <a:pPr marL="285750" indent="-285750">
+              <a:buFontTx/>
+              <a:buChar char="-"/>
+            </a:pPr>
+            <a:r>
+              <a:rPr lang="en-US" sz="1400" dirty="0"/>
+              <a:t>Distance between cluster centers is large</a:t>
+            </a:r>
+          </a:p>
+          <a:p>
+            <a:endParaRPr lang="en-US" sz="1400" dirty="0"/>
+          </a:p>
+          <a:p>
+            <a:r>
+              <a:rPr lang="en-US" sz="1400" dirty="0"/>
+              <a:t>High DBI value (Bad Clustering)</a:t>
+            </a:r>
+          </a:p>
+          <a:p>
+            <a:pPr marL="285750" indent="-285750">
+              <a:buFontTx/>
+              <a:buChar char="-"/>
+            </a:pPr>
+            <a:r>
+              <a:rPr lang="en-US" sz="1400" dirty="0"/>
+              <a:t>Clusters are spread out internally</a:t>
+            </a:r>
+          </a:p>
+          <a:p>
+            <a:pPr marL="285750" indent="-285750">
+              <a:buFontTx/>
+              <a:buChar char="-"/>
+            </a:pPr>
+            <a:r>
+              <a:rPr lang="en-US" sz="1400" dirty="0"/>
+              <a:t>Cluster centers are close</a:t>
+            </a:r>
+          </a:p>
+        </p:txBody>
+      </p:sp>
+    </p:spTree>
+    <p:extLst>
+      <p:ext uri="{BB962C8B-B14F-4D97-AF65-F5344CB8AC3E}">
+        <p14:creationId xmlns:p14="http://schemas.microsoft.com/office/powerpoint/2010/main" val="1198441845"/>
+      </p:ext>
+    </p:extLst>
+  </p:cSld>
+  <p:clrMapOvr>
+    <a:masterClrMapping/>
+  </p:clrMapOvr>
+</p:sld>
+</file>
+
 <file path=ppt/slides/slide2.xml><?xml version="1.0" encoding="utf-8"?>
+<p:sld xmlns:a="http://schemas.openxmlformats.org/drawingml/2006/main" xmlns:r="http://schemas.openxmlformats.org/officeDocument/2006/relationships" xmlns:p="http://schemas.openxmlformats.org/presentationml/2006/main">
+  <p:cSld>
+    <p:spTree>
+      <p:nvGrpSpPr>
+        <p:cNvPr id="1" name=""/>
+        <p:cNvGrpSpPr/>
+        <p:nvPr/>
+      </p:nvGrpSpPr>
+      <p:grpSpPr>
+        <a:xfrm>
+          <a:off x="0" y="0"/>
+          <a:ext cx="0" cy="0"/>
+          <a:chOff x="0" y="0"/>
+          <a:chExt cx="0" cy="0"/>
+        </a:xfrm>
+      </p:grpSpPr>
+      <p:sp>
+        <p:nvSpPr>
+          <p:cNvPr id="2" name="Title 1">
+            <a:extLst>
+              <a:ext uri="{FF2B5EF4-FFF2-40B4-BE49-F238E27FC236}">
+                <a16:creationId xmlns:a16="http://schemas.microsoft.com/office/drawing/2014/main" id="{DF55A276-3826-7B50-BAFF-2B8CE2834ECF}"/>
+              </a:ext>
+            </a:extLst>
+          </p:cNvPr>
+          <p:cNvSpPr>
+            <a:spLocks noGrp="1"/>
+          </p:cNvSpPr>
+          <p:nvPr>
+            <p:ph type="title"/>
+          </p:nvPr>
+        </p:nvSpPr>
+        <p:spPr/>
+        <p:txBody>
+          <a:bodyPr/>
+          <a:lstStyle/>
+          <a:p>
+            <a:r>
+              <a:rPr lang="en-IN" dirty="0"/>
+              <a:t>K-Means Clustering</a:t>
+            </a:r>
+            <a:endParaRPr lang="en-GB" dirty="0"/>
+          </a:p>
+        </p:txBody>
+      </p:sp>
+      <p:sp>
+        <p:nvSpPr>
+          <p:cNvPr id="3" name="Content Placeholder 2">
+            <a:extLst>
+              <a:ext uri="{FF2B5EF4-FFF2-40B4-BE49-F238E27FC236}">
+                <a16:creationId xmlns:a16="http://schemas.microsoft.com/office/drawing/2014/main" id="{1A692660-FDD6-EBF8-DB1A-2C1D2F1B8435}"/>
+              </a:ext>
+            </a:extLst>
+          </p:cNvPr>
+          <p:cNvSpPr>
+            <a:spLocks noGrp="1"/>
+          </p:cNvSpPr>
+          <p:nvPr>
+            <p:ph idx="1"/>
+          </p:nvPr>
+        </p:nvSpPr>
+        <p:spPr/>
+        <p:txBody>
+          <a:bodyPr>
+            <a:normAutofit fontScale="92500" lnSpcReduction="10000"/>
+          </a:bodyPr>
+          <a:lstStyle/>
+          <a:p>
+            <a:r>
+              <a:rPr lang="en-US" dirty="0"/>
+              <a:t>An </a:t>
+            </a:r>
+            <a:r>
+              <a:rPr lang="en-US" b="1" dirty="0"/>
+              <a:t>unsupervised machine learning algorithm</a:t>
+            </a:r>
+            <a:r>
+              <a:rPr lang="en-US" dirty="0"/>
+              <a:t> used to </a:t>
+            </a:r>
+            <a:r>
+              <a:rPr lang="en-US" b="1" dirty="0"/>
+              <a:t>group similar data points into clusters</a:t>
+            </a:r>
+            <a:r>
+              <a:rPr lang="en-US" dirty="0"/>
+              <a:t> based on distance</a:t>
+            </a:r>
+          </a:p>
+          <a:p>
+            <a:r>
+              <a:rPr lang="en-US" dirty="0"/>
+              <a:t>Goal</a:t>
+            </a:r>
+          </a:p>
+          <a:p>
+            <a:pPr lvl="1"/>
+            <a:r>
+              <a:rPr lang="en-US" dirty="0"/>
+              <a:t>Divide data into K groups (clusters)</a:t>
+            </a:r>
+          </a:p>
+          <a:p>
+            <a:pPr lvl="1"/>
+            <a:r>
+              <a:rPr lang="en-US" dirty="0"/>
+              <a:t>Points in the same cluster are similar</a:t>
+            </a:r>
+          </a:p>
+          <a:p>
+            <a:pPr lvl="1"/>
+            <a:r>
+              <a:rPr lang="en-US" dirty="0"/>
+              <a:t>Points in different clusters are dissimilar</a:t>
+            </a:r>
+          </a:p>
+          <a:p>
+            <a:r>
+              <a:rPr lang="en-US"/>
+              <a:t>Working</a:t>
+            </a:r>
+            <a:endParaRPr lang="en-US" dirty="0"/>
+          </a:p>
+          <a:p>
+            <a:pPr lvl="1"/>
+            <a:r>
+              <a:rPr lang="en-US" dirty="0"/>
+              <a:t>Choose K (number of clusters)</a:t>
+            </a:r>
+          </a:p>
+          <a:p>
+            <a:pPr lvl="1"/>
+            <a:r>
+              <a:rPr lang="en-US" dirty="0"/>
+              <a:t>Randomly place K centroids</a:t>
+            </a:r>
+          </a:p>
+          <a:p>
+            <a:pPr lvl="1"/>
+            <a:r>
+              <a:rPr lang="en-US" dirty="0"/>
+              <a:t>Assign each data point to the nearest centroid</a:t>
+            </a:r>
+          </a:p>
+          <a:p>
+            <a:pPr lvl="1"/>
+            <a:r>
+              <a:rPr lang="en-US" dirty="0"/>
+              <a:t>Recompute centroids (mean of points)</a:t>
+            </a:r>
+          </a:p>
+          <a:p>
+            <a:pPr lvl="1"/>
+            <a:r>
+              <a:rPr lang="en-US" dirty="0"/>
+              <a:t>Repeat steps 3–4 until centroids stop changing</a:t>
+            </a:r>
+            <a:endParaRPr lang="en-GB" dirty="0"/>
+          </a:p>
+        </p:txBody>
+      </p:sp>
+      <p:pic>
+        <p:nvPicPr>
+          <p:cNvPr id="6" name="Picture 5">
+            <a:extLst>
+              <a:ext uri="{FF2B5EF4-FFF2-40B4-BE49-F238E27FC236}">
+                <a16:creationId xmlns:a16="http://schemas.microsoft.com/office/drawing/2014/main" id="{20E30FC8-03C1-0022-0BE0-3F702D9C0B8F}"/>
+              </a:ext>
+            </a:extLst>
+          </p:cNvPr>
+          <p:cNvPicPr>
+            <a:picLocks noChangeAspect="1"/>
+          </p:cNvPicPr>
+          <p:nvPr/>
+        </p:nvPicPr>
+        <p:blipFill>
+          <a:blip r:embed="rId2"/>
+          <a:stretch>
+            <a:fillRect/>
+          </a:stretch>
+        </p:blipFill>
+        <p:spPr>
+          <a:xfrm>
+            <a:off x="7467004" y="2249107"/>
+            <a:ext cx="4150284" cy="4580973"/>
+          </a:xfrm>
+          <a:prstGeom prst="rect">
+            <a:avLst/>
+          </a:prstGeom>
+        </p:spPr>
+      </p:pic>
+    </p:spTree>
+    <p:extLst>
+      <p:ext uri="{BB962C8B-B14F-4D97-AF65-F5344CB8AC3E}">
+        <p14:creationId xmlns:p14="http://schemas.microsoft.com/office/powerpoint/2010/main" val="1898299762"/>
+      </p:ext>
+    </p:extLst>
+  </p:cSld>
+  <p:clrMapOvr>
+    <a:masterClrMapping/>
+  </p:clrMapOvr>
+</p:sld>
+</file>
+
+<file path=ppt/slides/slide3.xml><?xml version="1.0" encoding="utf-8"?>
 <p:sld xmlns:a="http://schemas.openxmlformats.org/drawingml/2006/main" xmlns:r="http://schemas.openxmlformats.org/officeDocument/2006/relationships" xmlns:p="http://schemas.openxmlformats.org/presentationml/2006/main">
   <p:cSld>
     <p:spTree>
@@ -9505,7 +11221,7 @@
 </p:sld>
 </file>
 
-<file path=ppt/slides/slide3.xml><?xml version="1.0" encoding="utf-8"?>
+<file path=ppt/slides/slide4.xml><?xml version="1.0" encoding="utf-8"?>
 <p:sld xmlns:a="http://schemas.openxmlformats.org/drawingml/2006/main" xmlns:r="http://schemas.openxmlformats.org/officeDocument/2006/relationships" xmlns:p="http://schemas.openxmlformats.org/presentationml/2006/main">
   <p:cSld>
     <p:spTree>
@@ -12015,7 +13731,7 @@
 </p:sld>
 </file>
 
-<file path=ppt/slides/slide4.xml><?xml version="1.0" encoding="utf-8"?>
+<file path=ppt/slides/slide5.xml><?xml version="1.0" encoding="utf-8"?>
 <p:sld xmlns:a="http://schemas.openxmlformats.org/drawingml/2006/main" xmlns:r="http://schemas.openxmlformats.org/officeDocument/2006/relationships" xmlns:p="http://schemas.openxmlformats.org/presentationml/2006/main">
   <p:cSld>
     <p:spTree>
@@ -12495,7 +14211,7 @@
 </p:sld>
 </file>
 
-<file path=ppt/slides/slide5.xml><?xml version="1.0" encoding="utf-8"?>
+<file path=ppt/slides/slide6.xml><?xml version="1.0" encoding="utf-8"?>
 <p:sld xmlns:a="http://schemas.openxmlformats.org/drawingml/2006/main" xmlns:r="http://schemas.openxmlformats.org/officeDocument/2006/relationships" xmlns:p="http://schemas.openxmlformats.org/presentationml/2006/main">
   <p:cSld>
     <p:spTree>
@@ -16828,7 +18544,7 @@
 </p:sld>
 </file>
 
-<file path=ppt/slides/slide6.xml><?xml version="1.0" encoding="utf-8"?>
+<file path=ppt/slides/slide7.xml><?xml version="1.0" encoding="utf-8"?>
 <p:sld xmlns:a="http://schemas.openxmlformats.org/drawingml/2006/main" xmlns:r="http://schemas.openxmlformats.org/officeDocument/2006/relationships" xmlns:p="http://schemas.openxmlformats.org/presentationml/2006/main">
   <p:cSld>
     <p:spTree>
@@ -16977,13 +18693,13 @@
           <p:nvPr>
             <p:extLst>
               <p:ext uri="{D42A27DB-BD31-4B8C-83A1-F6EECF244321}">
-                <p14:modId xmlns:p14="http://schemas.microsoft.com/office/powerpoint/2010/main" val="2771980512"/>
+                <p14:modId xmlns:p14="http://schemas.microsoft.com/office/powerpoint/2010/main" val="3611280961"/>
               </p:ext>
             </p:extLst>
           </p:nvPr>
         </p:nvGraphicFramePr>
         <p:xfrm>
-          <a:off x="137373" y="2114985"/>
+          <a:off x="137373" y="2128945"/>
           <a:ext cx="3541167" cy="1524000"/>
         </p:xfrm>
         <a:graphic>
@@ -19585,7 +21301,7 @@
 </p:sld>
 </file>
 
-<file path=ppt/slides/slide7.xml><?xml version="1.0" encoding="utf-8"?>
+<file path=ppt/slides/slide8.xml><?xml version="1.0" encoding="utf-8"?>
 <p:sld xmlns:a="http://schemas.openxmlformats.org/drawingml/2006/main" xmlns:r="http://schemas.openxmlformats.org/officeDocument/2006/relationships" xmlns:p="http://schemas.openxmlformats.org/presentationml/2006/main">
   <p:cSld>
     <p:spTree>
@@ -22598,7 +24314,7 @@
 </p:sld>
 </file>
 
-<file path=ppt/slides/slide8.xml><?xml version="1.0" encoding="utf-8"?>
+<file path=ppt/slides/slide9.xml><?xml version="1.0" encoding="utf-8"?>
 <p:sld xmlns:a="http://schemas.openxmlformats.org/drawingml/2006/main" xmlns:r="http://schemas.openxmlformats.org/officeDocument/2006/relationships" xmlns:p="http://schemas.openxmlformats.org/presentationml/2006/main">
   <p:cSld>
     <p:spTree>
@@ -24962,1516 +26678,6 @@
     <p:extLst>
       <p:ext uri="{BB962C8B-B14F-4D97-AF65-F5344CB8AC3E}">
         <p14:creationId xmlns:p14="http://schemas.microsoft.com/office/powerpoint/2010/main" val="1171273204"/>
-      </p:ext>
-    </p:extLst>
-  </p:cSld>
-  <p:clrMapOvr>
-    <a:masterClrMapping/>
-  </p:clrMapOvr>
-</p:sld>
-</file>
-
-<file path=ppt/slides/slide9.xml><?xml version="1.0" encoding="utf-8"?>
-<p:sld xmlns:a="http://schemas.openxmlformats.org/drawingml/2006/main" xmlns:r="http://schemas.openxmlformats.org/officeDocument/2006/relationships" xmlns:p="http://schemas.openxmlformats.org/presentationml/2006/main">
-  <p:cSld>
-    <p:spTree>
-      <p:nvGrpSpPr>
-        <p:cNvPr id="1" name=""/>
-        <p:cNvGrpSpPr/>
-        <p:nvPr/>
-      </p:nvGrpSpPr>
-      <p:grpSpPr>
-        <a:xfrm>
-          <a:off x="0" y="0"/>
-          <a:ext cx="0" cy="0"/>
-          <a:chOff x="0" y="0"/>
-          <a:chExt cx="0" cy="0"/>
-        </a:xfrm>
-      </p:grpSpPr>
-      <p:sp>
-        <p:nvSpPr>
-          <p:cNvPr id="2" name="Title 1">
-            <a:extLst>
-              <a:ext uri="{FF2B5EF4-FFF2-40B4-BE49-F238E27FC236}">
-                <a16:creationId xmlns:a16="http://schemas.microsoft.com/office/drawing/2014/main" id="{E95CA87F-D5AE-B9BC-E6D6-D06AD99F21DA}"/>
-              </a:ext>
-            </a:extLst>
-          </p:cNvPr>
-          <p:cNvSpPr>
-            <a:spLocks noGrp="1"/>
-          </p:cNvSpPr>
-          <p:nvPr>
-            <p:ph type="title"/>
-          </p:nvPr>
-        </p:nvSpPr>
-        <p:spPr>
-          <a:xfrm>
-            <a:off x="838200" y="1"/>
-            <a:ext cx="10515600" cy="593312"/>
-          </a:xfrm>
-        </p:spPr>
-        <p:txBody>
-          <a:bodyPr>
-            <a:normAutofit fontScale="90000"/>
-          </a:bodyPr>
-          <a:lstStyle/>
-          <a:p>
-            <a:r>
-              <a:rPr lang="en-IN" dirty="0"/>
-              <a:t>Evaluation and Similarity</a:t>
-            </a:r>
-            <a:endParaRPr lang="en-GB" dirty="0"/>
-          </a:p>
-        </p:txBody>
-      </p:sp>
-      <p:sp>
-        <p:nvSpPr>
-          <p:cNvPr id="3" name="Content Placeholder 2">
-            <a:extLst>
-              <a:ext uri="{FF2B5EF4-FFF2-40B4-BE49-F238E27FC236}">
-                <a16:creationId xmlns:a16="http://schemas.microsoft.com/office/drawing/2014/main" id="{294A057A-0F85-47D0-9789-E448581931EB}"/>
-              </a:ext>
-            </a:extLst>
-          </p:cNvPr>
-          <p:cNvSpPr>
-            <a:spLocks noGrp="1"/>
-          </p:cNvSpPr>
-          <p:nvPr>
-            <p:ph idx="1"/>
-          </p:nvPr>
-        </p:nvSpPr>
-        <p:spPr/>
-        <p:txBody>
-          <a:bodyPr/>
-          <a:lstStyle/>
-          <a:p>
-            <a:endParaRPr lang="en-IN" dirty="0"/>
-          </a:p>
-          <a:p>
-            <a:endParaRPr lang="en-IN" dirty="0"/>
-          </a:p>
-          <a:p>
-            <a:endParaRPr lang="en-IN" dirty="0"/>
-          </a:p>
-          <a:p>
-            <a:endParaRPr lang="en-IN" dirty="0"/>
-          </a:p>
-          <a:p>
-            <a:endParaRPr lang="en-IN" dirty="0"/>
-          </a:p>
-          <a:p>
-            <a:endParaRPr lang="en-IN" dirty="0"/>
-          </a:p>
-          <a:p>
-            <a:endParaRPr lang="en-GB" dirty="0"/>
-          </a:p>
-        </p:txBody>
-      </p:sp>
-      <p:graphicFrame>
-        <p:nvGraphicFramePr>
-          <p:cNvPr id="5" name="Table 4">
-            <a:extLst>
-              <a:ext uri="{FF2B5EF4-FFF2-40B4-BE49-F238E27FC236}">
-                <a16:creationId xmlns:a16="http://schemas.microsoft.com/office/drawing/2014/main" id="{67A68186-E9BE-A477-D078-B4338F3A5AAF}"/>
-              </a:ext>
-            </a:extLst>
-          </p:cNvPr>
-          <p:cNvGraphicFramePr>
-            <a:graphicFrameLocks noGrp="1"/>
-          </p:cNvGraphicFramePr>
-          <p:nvPr>
-            <p:extLst>
-              <p:ext uri="{D42A27DB-BD31-4B8C-83A1-F6EECF244321}">
-                <p14:modId xmlns:p14="http://schemas.microsoft.com/office/powerpoint/2010/main" val="3601220198"/>
-              </p:ext>
-            </p:extLst>
-          </p:nvPr>
-        </p:nvGraphicFramePr>
-        <p:xfrm>
-          <a:off x="614835" y="546779"/>
-          <a:ext cx="10515600" cy="1219200"/>
-        </p:xfrm>
-        <a:graphic>
-          <a:graphicData uri="http://schemas.openxmlformats.org/drawingml/2006/table">
-            <a:tbl>
-              <a:tblPr firstRow="1">
-                <a:tableStyleId>{7E9639D4-E3E2-4D34-9284-5A2195B3D0D7}</a:tableStyleId>
-              </a:tblPr>
-              <a:tblGrid>
-                <a:gridCol w="2628900">
-                  <a:extLst>
-                    <a:ext uri="{9D8B030D-6E8A-4147-A177-3AD203B41FA5}">
-                      <a16:colId xmlns:a16="http://schemas.microsoft.com/office/drawing/2014/main" val="3826210098"/>
-                    </a:ext>
-                  </a:extLst>
-                </a:gridCol>
-                <a:gridCol w="2628900">
-                  <a:extLst>
-                    <a:ext uri="{9D8B030D-6E8A-4147-A177-3AD203B41FA5}">
-                      <a16:colId xmlns:a16="http://schemas.microsoft.com/office/drawing/2014/main" val="277821989"/>
-                    </a:ext>
-                  </a:extLst>
-                </a:gridCol>
-                <a:gridCol w="2628900">
-                  <a:extLst>
-                    <a:ext uri="{9D8B030D-6E8A-4147-A177-3AD203B41FA5}">
-                      <a16:colId xmlns:a16="http://schemas.microsoft.com/office/drawing/2014/main" val="977415526"/>
-                    </a:ext>
-                  </a:extLst>
-                </a:gridCol>
-                <a:gridCol w="2628900">
-                  <a:extLst>
-                    <a:ext uri="{9D8B030D-6E8A-4147-A177-3AD203B41FA5}">
-                      <a16:colId xmlns:a16="http://schemas.microsoft.com/office/drawing/2014/main" val="1115024564"/>
-                    </a:ext>
-                  </a:extLst>
-                </a:gridCol>
-              </a:tblGrid>
-              <a:tr h="0">
-                <a:tc>
-                  <a:txBody>
-                    <a:bodyPr/>
-                    <a:lstStyle/>
-                    <a:p>
-                      <a:pPr>
-                        <a:buNone/>
-                      </a:pPr>
-                      <a:r>
-                        <a:rPr lang="en-GB" sz="1400" dirty="0"/>
-                        <a:t>Metric</a:t>
-                      </a:r>
-                    </a:p>
-                  </a:txBody>
-                  <a:tcPr anchor="ctr">
-                    <a:lnL w="12700" cap="flat" cmpd="sng" algn="ctr">
-                      <a:solidFill>
-                        <a:schemeClr val="tx1"/>
-                      </a:solidFill>
-                      <a:prstDash val="solid"/>
-                      <a:round/>
-                      <a:headEnd type="none" w="med" len="med"/>
-                      <a:tailEnd type="none" w="med" len="med"/>
-                    </a:lnL>
-                    <a:lnR w="12700" cap="flat" cmpd="sng" algn="ctr">
-                      <a:solidFill>
-                        <a:schemeClr val="tx1"/>
-                      </a:solidFill>
-                      <a:prstDash val="solid"/>
-                      <a:round/>
-                      <a:headEnd type="none" w="med" len="med"/>
-                      <a:tailEnd type="none" w="med" len="med"/>
-                    </a:lnR>
-                    <a:lnT w="12700" cap="flat" cmpd="sng" algn="ctr">
-                      <a:solidFill>
-                        <a:schemeClr val="tx1"/>
-                      </a:solidFill>
-                      <a:prstDash val="solid"/>
-                      <a:round/>
-                      <a:headEnd type="none" w="med" len="med"/>
-                      <a:tailEnd type="none" w="med" len="med"/>
-                    </a:lnT>
-                    <a:lnB w="12700" cap="flat" cmpd="sng" algn="ctr">
-                      <a:solidFill>
-                        <a:schemeClr val="tx1"/>
-                      </a:solidFill>
-                      <a:prstDash val="solid"/>
-                      <a:round/>
-                      <a:headEnd type="none" w="med" len="med"/>
-                      <a:tailEnd type="none" w="med" len="med"/>
-                    </a:lnB>
-                  </a:tcPr>
-                </a:tc>
-                <a:tc>
-                  <a:txBody>
-                    <a:bodyPr/>
-                    <a:lstStyle/>
-                    <a:p>
-                      <a:pPr>
-                        <a:buNone/>
-                      </a:pPr>
-                      <a:r>
-                        <a:rPr lang="en-GB" sz="1400"/>
-                        <a:t>Used at</a:t>
-                      </a:r>
-                    </a:p>
-                  </a:txBody>
-                  <a:tcPr anchor="ctr">
-                    <a:lnL w="12700" cap="flat" cmpd="sng" algn="ctr">
-                      <a:solidFill>
-                        <a:schemeClr val="tx1"/>
-                      </a:solidFill>
-                      <a:prstDash val="solid"/>
-                      <a:round/>
-                      <a:headEnd type="none" w="med" len="med"/>
-                      <a:tailEnd type="none" w="med" len="med"/>
-                    </a:lnL>
-                    <a:lnR w="12700" cap="flat" cmpd="sng" algn="ctr">
-                      <a:solidFill>
-                        <a:schemeClr val="tx1"/>
-                      </a:solidFill>
-                      <a:prstDash val="solid"/>
-                      <a:round/>
-                      <a:headEnd type="none" w="med" len="med"/>
-                      <a:tailEnd type="none" w="med" len="med"/>
-                    </a:lnR>
-                    <a:lnT w="12700" cap="flat" cmpd="sng" algn="ctr">
-                      <a:solidFill>
-                        <a:schemeClr val="tx1"/>
-                      </a:solidFill>
-                      <a:prstDash val="solid"/>
-                      <a:round/>
-                      <a:headEnd type="none" w="med" len="med"/>
-                      <a:tailEnd type="none" w="med" len="med"/>
-                    </a:lnT>
-                    <a:lnB w="12700" cap="flat" cmpd="sng" algn="ctr">
-                      <a:solidFill>
-                        <a:schemeClr val="tx1"/>
-                      </a:solidFill>
-                      <a:prstDash val="solid"/>
-                      <a:round/>
-                      <a:headEnd type="none" w="med" len="med"/>
-                      <a:tailEnd type="none" w="med" len="med"/>
-                    </a:lnB>
-                  </a:tcPr>
-                </a:tc>
-                <a:tc>
-                  <a:txBody>
-                    <a:bodyPr/>
-                    <a:lstStyle/>
-                    <a:p>
-                      <a:pPr>
-                        <a:buNone/>
-                      </a:pPr>
-                      <a:r>
-                        <a:rPr lang="en-GB" sz="1400"/>
-                        <a:t>Measures</a:t>
-                      </a:r>
-                    </a:p>
-                  </a:txBody>
-                  <a:tcPr anchor="ctr">
-                    <a:lnL w="12700" cap="flat" cmpd="sng" algn="ctr">
-                      <a:solidFill>
-                        <a:schemeClr val="tx1"/>
-                      </a:solidFill>
-                      <a:prstDash val="solid"/>
-                      <a:round/>
-                      <a:headEnd type="none" w="med" len="med"/>
-                      <a:tailEnd type="none" w="med" len="med"/>
-                    </a:lnL>
-                    <a:lnR w="12700" cap="flat" cmpd="sng" algn="ctr">
-                      <a:solidFill>
-                        <a:schemeClr val="tx1"/>
-                      </a:solidFill>
-                      <a:prstDash val="solid"/>
-                      <a:round/>
-                      <a:headEnd type="none" w="med" len="med"/>
-                      <a:tailEnd type="none" w="med" len="med"/>
-                    </a:lnR>
-                    <a:lnT w="12700" cap="flat" cmpd="sng" algn="ctr">
-                      <a:solidFill>
-                        <a:schemeClr val="tx1"/>
-                      </a:solidFill>
-                      <a:prstDash val="solid"/>
-                      <a:round/>
-                      <a:headEnd type="none" w="med" len="med"/>
-                      <a:tailEnd type="none" w="med" len="med"/>
-                    </a:lnT>
-                    <a:lnB w="12700" cap="flat" cmpd="sng" algn="ctr">
-                      <a:solidFill>
-                        <a:schemeClr val="tx1"/>
-                      </a:solidFill>
-                      <a:prstDash val="solid"/>
-                      <a:round/>
-                      <a:headEnd type="none" w="med" len="med"/>
-                      <a:tailEnd type="none" w="med" len="med"/>
-                    </a:lnB>
-                  </a:tcPr>
-                </a:tc>
-                <a:tc>
-                  <a:txBody>
-                    <a:bodyPr/>
-                    <a:lstStyle/>
-                    <a:p>
-                      <a:pPr>
-                        <a:buNone/>
-                      </a:pPr>
-                      <a:r>
-                        <a:rPr lang="en-GB" sz="1400"/>
-                        <a:t>Example role</a:t>
-                      </a:r>
-                    </a:p>
-                  </a:txBody>
-                  <a:tcPr anchor="ctr">
-                    <a:lnL w="12700" cap="flat" cmpd="sng" algn="ctr">
-                      <a:solidFill>
-                        <a:schemeClr val="tx1"/>
-                      </a:solidFill>
-                      <a:prstDash val="solid"/>
-                      <a:round/>
-                      <a:headEnd type="none" w="med" len="med"/>
-                      <a:tailEnd type="none" w="med" len="med"/>
-                    </a:lnL>
-                    <a:lnR w="12700" cap="flat" cmpd="sng" algn="ctr">
-                      <a:solidFill>
-                        <a:schemeClr val="tx1"/>
-                      </a:solidFill>
-                      <a:prstDash val="solid"/>
-                      <a:round/>
-                      <a:headEnd type="none" w="med" len="med"/>
-                      <a:tailEnd type="none" w="med" len="med"/>
-                    </a:lnR>
-                    <a:lnT w="12700" cap="flat" cmpd="sng" algn="ctr">
-                      <a:solidFill>
-                        <a:schemeClr val="tx1"/>
-                      </a:solidFill>
-                      <a:prstDash val="solid"/>
-                      <a:round/>
-                      <a:headEnd type="none" w="med" len="med"/>
-                      <a:tailEnd type="none" w="med" len="med"/>
-                    </a:lnT>
-                    <a:lnB w="12700" cap="flat" cmpd="sng" algn="ctr">
-                      <a:solidFill>
-                        <a:schemeClr val="tx1"/>
-                      </a:solidFill>
-                      <a:prstDash val="solid"/>
-                      <a:round/>
-                      <a:headEnd type="none" w="med" len="med"/>
-                      <a:tailEnd type="none" w="med" len="med"/>
-                    </a:lnB>
-                  </a:tcPr>
-                </a:tc>
-                <a:extLst>
-                  <a:ext uri="{0D108BD9-81ED-4DB2-BD59-A6C34878D82A}">
-                    <a16:rowId xmlns:a16="http://schemas.microsoft.com/office/drawing/2014/main" val="394426804"/>
-                  </a:ext>
-                </a:extLst>
-              </a:tr>
-              <a:tr h="0">
-                <a:tc>
-                  <a:txBody>
-                    <a:bodyPr/>
-                    <a:lstStyle/>
-                    <a:p>
-                      <a:pPr>
-                        <a:buNone/>
-                      </a:pPr>
-                      <a:r>
-                        <a:rPr lang="en-GB" sz="1400" b="1" dirty="0"/>
-                        <a:t>Cosine Similarity</a:t>
-                      </a:r>
-                    </a:p>
-                  </a:txBody>
-                  <a:tcPr anchor="ctr">
-                    <a:lnL w="12700" cap="flat" cmpd="sng" algn="ctr">
-                      <a:solidFill>
-                        <a:schemeClr val="tx1"/>
-                      </a:solidFill>
-                      <a:prstDash val="solid"/>
-                      <a:round/>
-                      <a:headEnd type="none" w="med" len="med"/>
-                      <a:tailEnd type="none" w="med" len="med"/>
-                    </a:lnL>
-                    <a:lnR w="12700" cap="flat" cmpd="sng" algn="ctr">
-                      <a:solidFill>
-                        <a:schemeClr val="tx1"/>
-                      </a:solidFill>
-                      <a:prstDash val="solid"/>
-                      <a:round/>
-                      <a:headEnd type="none" w="med" len="med"/>
-                      <a:tailEnd type="none" w="med" len="med"/>
-                    </a:lnR>
-                    <a:lnT w="12700" cap="flat" cmpd="sng" algn="ctr">
-                      <a:solidFill>
-                        <a:schemeClr val="tx1"/>
-                      </a:solidFill>
-                      <a:prstDash val="solid"/>
-                      <a:round/>
-                      <a:headEnd type="none" w="med" len="med"/>
-                      <a:tailEnd type="none" w="med" len="med"/>
-                    </a:lnT>
-                    <a:lnB w="12700" cap="flat" cmpd="sng" algn="ctr">
-                      <a:solidFill>
-                        <a:schemeClr val="tx1"/>
-                      </a:solidFill>
-                      <a:prstDash val="solid"/>
-                      <a:round/>
-                      <a:headEnd type="none" w="med" len="med"/>
-                      <a:tailEnd type="none" w="med" len="med"/>
-                    </a:lnB>
-                  </a:tcPr>
-                </a:tc>
-                <a:tc>
-                  <a:txBody>
-                    <a:bodyPr/>
-                    <a:lstStyle/>
-                    <a:p>
-                      <a:pPr>
-                        <a:buNone/>
-                      </a:pPr>
-                      <a:r>
-                        <a:rPr lang="en-GB" sz="1400"/>
-                        <a:t>Before / during clustering</a:t>
-                      </a:r>
-                    </a:p>
-                  </a:txBody>
-                  <a:tcPr anchor="ctr">
-                    <a:lnL w="12700" cap="flat" cmpd="sng" algn="ctr">
-                      <a:solidFill>
-                        <a:schemeClr val="tx1"/>
-                      </a:solidFill>
-                      <a:prstDash val="solid"/>
-                      <a:round/>
-                      <a:headEnd type="none" w="med" len="med"/>
-                      <a:tailEnd type="none" w="med" len="med"/>
-                    </a:lnL>
-                    <a:lnR w="12700" cap="flat" cmpd="sng" algn="ctr">
-                      <a:solidFill>
-                        <a:schemeClr val="tx1"/>
-                      </a:solidFill>
-                      <a:prstDash val="solid"/>
-                      <a:round/>
-                      <a:headEnd type="none" w="med" len="med"/>
-                      <a:tailEnd type="none" w="med" len="med"/>
-                    </a:lnR>
-                    <a:lnT w="12700" cap="flat" cmpd="sng" algn="ctr">
-                      <a:solidFill>
-                        <a:schemeClr val="tx1"/>
-                      </a:solidFill>
-                      <a:prstDash val="solid"/>
-                      <a:round/>
-                      <a:headEnd type="none" w="med" len="med"/>
-                      <a:tailEnd type="none" w="med" len="med"/>
-                    </a:lnT>
-                    <a:lnB w="12700" cap="flat" cmpd="sng" algn="ctr">
-                      <a:solidFill>
-                        <a:schemeClr val="tx1"/>
-                      </a:solidFill>
-                      <a:prstDash val="solid"/>
-                      <a:round/>
-                      <a:headEnd type="none" w="med" len="med"/>
-                      <a:tailEnd type="none" w="med" len="med"/>
-                    </a:lnB>
-                  </a:tcPr>
-                </a:tc>
-                <a:tc>
-                  <a:txBody>
-                    <a:bodyPr/>
-                    <a:lstStyle/>
-                    <a:p>
-                      <a:pPr>
-                        <a:buNone/>
-                      </a:pPr>
-                      <a:r>
-                        <a:rPr lang="en-GB" sz="1400"/>
-                        <a:t>Point similarity</a:t>
-                      </a:r>
-                    </a:p>
-                  </a:txBody>
-                  <a:tcPr anchor="ctr">
-                    <a:lnL w="12700" cap="flat" cmpd="sng" algn="ctr">
-                      <a:solidFill>
-                        <a:schemeClr val="tx1"/>
-                      </a:solidFill>
-                      <a:prstDash val="solid"/>
-                      <a:round/>
-                      <a:headEnd type="none" w="med" len="med"/>
-                      <a:tailEnd type="none" w="med" len="med"/>
-                    </a:lnL>
-                    <a:lnR w="12700" cap="flat" cmpd="sng" algn="ctr">
-                      <a:solidFill>
-                        <a:schemeClr val="tx1"/>
-                      </a:solidFill>
-                      <a:prstDash val="solid"/>
-                      <a:round/>
-                      <a:headEnd type="none" w="med" len="med"/>
-                      <a:tailEnd type="none" w="med" len="med"/>
-                    </a:lnR>
-                    <a:lnT w="12700" cap="flat" cmpd="sng" algn="ctr">
-                      <a:solidFill>
-                        <a:schemeClr val="tx1"/>
-                      </a:solidFill>
-                      <a:prstDash val="solid"/>
-                      <a:round/>
-                      <a:headEnd type="none" w="med" len="med"/>
-                      <a:tailEnd type="none" w="med" len="med"/>
-                    </a:lnT>
-                    <a:lnB w="12700" cap="flat" cmpd="sng" algn="ctr">
-                      <a:solidFill>
-                        <a:schemeClr val="tx1"/>
-                      </a:solidFill>
-                      <a:prstDash val="solid"/>
-                      <a:round/>
-                      <a:headEnd type="none" w="med" len="med"/>
-                      <a:tailEnd type="none" w="med" len="med"/>
-                    </a:lnB>
-                  </a:tcPr>
-                </a:tc>
-                <a:tc>
-                  <a:txBody>
-                    <a:bodyPr/>
-                    <a:lstStyle/>
-                    <a:p>
-                      <a:pPr>
-                        <a:buNone/>
-                      </a:pPr>
-                      <a:r>
-                        <a:rPr lang="en-GB" sz="1400"/>
-                        <a:t>Compare customers</a:t>
-                      </a:r>
-                    </a:p>
-                  </a:txBody>
-                  <a:tcPr anchor="ctr">
-                    <a:lnL w="12700" cap="flat" cmpd="sng" algn="ctr">
-                      <a:solidFill>
-                        <a:schemeClr val="tx1"/>
-                      </a:solidFill>
-                      <a:prstDash val="solid"/>
-                      <a:round/>
-                      <a:headEnd type="none" w="med" len="med"/>
-                      <a:tailEnd type="none" w="med" len="med"/>
-                    </a:lnL>
-                    <a:lnR w="12700" cap="flat" cmpd="sng" algn="ctr">
-                      <a:solidFill>
-                        <a:schemeClr val="tx1"/>
-                      </a:solidFill>
-                      <a:prstDash val="solid"/>
-                      <a:round/>
-                      <a:headEnd type="none" w="med" len="med"/>
-                      <a:tailEnd type="none" w="med" len="med"/>
-                    </a:lnR>
-                    <a:lnT w="12700" cap="flat" cmpd="sng" algn="ctr">
-                      <a:solidFill>
-                        <a:schemeClr val="tx1"/>
-                      </a:solidFill>
-                      <a:prstDash val="solid"/>
-                      <a:round/>
-                      <a:headEnd type="none" w="med" len="med"/>
-                      <a:tailEnd type="none" w="med" len="med"/>
-                    </a:lnT>
-                    <a:lnB w="12700" cap="flat" cmpd="sng" algn="ctr">
-                      <a:solidFill>
-                        <a:schemeClr val="tx1"/>
-                      </a:solidFill>
-                      <a:prstDash val="solid"/>
-                      <a:round/>
-                      <a:headEnd type="none" w="med" len="med"/>
-                      <a:tailEnd type="none" w="med" len="med"/>
-                    </a:lnB>
-                  </a:tcPr>
-                </a:tc>
-                <a:extLst>
-                  <a:ext uri="{0D108BD9-81ED-4DB2-BD59-A6C34878D82A}">
-                    <a16:rowId xmlns:a16="http://schemas.microsoft.com/office/drawing/2014/main" val="1086551247"/>
-                  </a:ext>
-                </a:extLst>
-              </a:tr>
-              <a:tr h="0">
-                <a:tc>
-                  <a:txBody>
-                    <a:bodyPr/>
-                    <a:lstStyle/>
-                    <a:p>
-                      <a:pPr>
-                        <a:buNone/>
-                      </a:pPr>
-                      <a:r>
-                        <a:rPr lang="en-GB" sz="1400" b="1" dirty="0"/>
-                        <a:t>Silhouette Score</a:t>
-                      </a:r>
-                    </a:p>
-                  </a:txBody>
-                  <a:tcPr anchor="ctr">
-                    <a:lnL w="12700" cap="flat" cmpd="sng" algn="ctr">
-                      <a:solidFill>
-                        <a:schemeClr val="tx1"/>
-                      </a:solidFill>
-                      <a:prstDash val="solid"/>
-                      <a:round/>
-                      <a:headEnd type="none" w="med" len="med"/>
-                      <a:tailEnd type="none" w="med" len="med"/>
-                    </a:lnL>
-                    <a:lnR w="12700" cap="flat" cmpd="sng" algn="ctr">
-                      <a:solidFill>
-                        <a:schemeClr val="tx1"/>
-                      </a:solidFill>
-                      <a:prstDash val="solid"/>
-                      <a:round/>
-                      <a:headEnd type="none" w="med" len="med"/>
-                      <a:tailEnd type="none" w="med" len="med"/>
-                    </a:lnR>
-                    <a:lnT w="12700" cap="flat" cmpd="sng" algn="ctr">
-                      <a:solidFill>
-                        <a:schemeClr val="tx1"/>
-                      </a:solidFill>
-                      <a:prstDash val="solid"/>
-                      <a:round/>
-                      <a:headEnd type="none" w="med" len="med"/>
-                      <a:tailEnd type="none" w="med" len="med"/>
-                    </a:lnT>
-                    <a:lnB w="12700" cap="flat" cmpd="sng" algn="ctr">
-                      <a:solidFill>
-                        <a:schemeClr val="tx1"/>
-                      </a:solidFill>
-                      <a:prstDash val="solid"/>
-                      <a:round/>
-                      <a:headEnd type="none" w="med" len="med"/>
-                      <a:tailEnd type="none" w="med" len="med"/>
-                    </a:lnB>
-                  </a:tcPr>
-                </a:tc>
-                <a:tc>
-                  <a:txBody>
-                    <a:bodyPr/>
-                    <a:lstStyle/>
-                    <a:p>
-                      <a:pPr>
-                        <a:buNone/>
-                      </a:pPr>
-                      <a:r>
-                        <a:rPr lang="en-GB" sz="1400"/>
-                        <a:t>After clustering</a:t>
-                      </a:r>
-                    </a:p>
-                  </a:txBody>
-                  <a:tcPr anchor="ctr">
-                    <a:lnL w="12700" cap="flat" cmpd="sng" algn="ctr">
-                      <a:solidFill>
-                        <a:schemeClr val="tx1"/>
-                      </a:solidFill>
-                      <a:prstDash val="solid"/>
-                      <a:round/>
-                      <a:headEnd type="none" w="med" len="med"/>
-                      <a:tailEnd type="none" w="med" len="med"/>
-                    </a:lnL>
-                    <a:lnR w="12700" cap="flat" cmpd="sng" algn="ctr">
-                      <a:solidFill>
-                        <a:schemeClr val="tx1"/>
-                      </a:solidFill>
-                      <a:prstDash val="solid"/>
-                      <a:round/>
-                      <a:headEnd type="none" w="med" len="med"/>
-                      <a:tailEnd type="none" w="med" len="med"/>
-                    </a:lnR>
-                    <a:lnT w="12700" cap="flat" cmpd="sng" algn="ctr">
-                      <a:solidFill>
-                        <a:schemeClr val="tx1"/>
-                      </a:solidFill>
-                      <a:prstDash val="solid"/>
-                      <a:round/>
-                      <a:headEnd type="none" w="med" len="med"/>
-                      <a:tailEnd type="none" w="med" len="med"/>
-                    </a:lnT>
-                    <a:lnB w="12700" cap="flat" cmpd="sng" algn="ctr">
-                      <a:solidFill>
-                        <a:schemeClr val="tx1"/>
-                      </a:solidFill>
-                      <a:prstDash val="solid"/>
-                      <a:round/>
-                      <a:headEnd type="none" w="med" len="med"/>
-                      <a:tailEnd type="none" w="med" len="med"/>
-                    </a:lnB>
-                  </a:tcPr>
-                </a:tc>
-                <a:tc>
-                  <a:txBody>
-                    <a:bodyPr/>
-                    <a:lstStyle/>
-                    <a:p>
-                      <a:pPr>
-                        <a:buNone/>
-                      </a:pPr>
-                      <a:r>
-                        <a:rPr lang="en-GB" sz="1400"/>
-                        <a:t>Point-level cluster quality</a:t>
-                      </a:r>
-                    </a:p>
-                  </a:txBody>
-                  <a:tcPr anchor="ctr">
-                    <a:lnL w="12700" cap="flat" cmpd="sng" algn="ctr">
-                      <a:solidFill>
-                        <a:schemeClr val="tx1"/>
-                      </a:solidFill>
-                      <a:prstDash val="solid"/>
-                      <a:round/>
-                      <a:headEnd type="none" w="med" len="med"/>
-                      <a:tailEnd type="none" w="med" len="med"/>
-                    </a:lnL>
-                    <a:lnR w="12700" cap="flat" cmpd="sng" algn="ctr">
-                      <a:solidFill>
-                        <a:schemeClr val="tx1"/>
-                      </a:solidFill>
-                      <a:prstDash val="solid"/>
-                      <a:round/>
-                      <a:headEnd type="none" w="med" len="med"/>
-                      <a:tailEnd type="none" w="med" len="med"/>
-                    </a:lnR>
-                    <a:lnT w="12700" cap="flat" cmpd="sng" algn="ctr">
-                      <a:solidFill>
-                        <a:schemeClr val="tx1"/>
-                      </a:solidFill>
-                      <a:prstDash val="solid"/>
-                      <a:round/>
-                      <a:headEnd type="none" w="med" len="med"/>
-                      <a:tailEnd type="none" w="med" len="med"/>
-                    </a:lnT>
-                    <a:lnB w="12700" cap="flat" cmpd="sng" algn="ctr">
-                      <a:solidFill>
-                        <a:schemeClr val="tx1"/>
-                      </a:solidFill>
-                      <a:prstDash val="solid"/>
-                      <a:round/>
-                      <a:headEnd type="none" w="med" len="med"/>
-                      <a:tailEnd type="none" w="med" len="med"/>
-                    </a:lnB>
-                  </a:tcPr>
-                </a:tc>
-                <a:tc>
-                  <a:txBody>
-                    <a:bodyPr/>
-                    <a:lstStyle/>
-                    <a:p>
-                      <a:pPr>
-                        <a:buNone/>
-                      </a:pPr>
-                      <a:r>
-                        <a:rPr lang="en-GB" sz="1400"/>
-                        <a:t>Does a point belong?</a:t>
-                      </a:r>
-                    </a:p>
-                  </a:txBody>
-                  <a:tcPr anchor="ctr">
-                    <a:lnL w="12700" cap="flat" cmpd="sng" algn="ctr">
-                      <a:solidFill>
-                        <a:schemeClr val="tx1"/>
-                      </a:solidFill>
-                      <a:prstDash val="solid"/>
-                      <a:round/>
-                      <a:headEnd type="none" w="med" len="med"/>
-                      <a:tailEnd type="none" w="med" len="med"/>
-                    </a:lnL>
-                    <a:lnR w="12700" cap="flat" cmpd="sng" algn="ctr">
-                      <a:solidFill>
-                        <a:schemeClr val="tx1"/>
-                      </a:solidFill>
-                      <a:prstDash val="solid"/>
-                      <a:round/>
-                      <a:headEnd type="none" w="med" len="med"/>
-                      <a:tailEnd type="none" w="med" len="med"/>
-                    </a:lnR>
-                    <a:lnT w="12700" cap="flat" cmpd="sng" algn="ctr">
-                      <a:solidFill>
-                        <a:schemeClr val="tx1"/>
-                      </a:solidFill>
-                      <a:prstDash val="solid"/>
-                      <a:round/>
-                      <a:headEnd type="none" w="med" len="med"/>
-                      <a:tailEnd type="none" w="med" len="med"/>
-                    </a:lnT>
-                    <a:lnB w="12700" cap="flat" cmpd="sng" algn="ctr">
-                      <a:solidFill>
-                        <a:schemeClr val="tx1"/>
-                      </a:solidFill>
-                      <a:prstDash val="solid"/>
-                      <a:round/>
-                      <a:headEnd type="none" w="med" len="med"/>
-                      <a:tailEnd type="none" w="med" len="med"/>
-                    </a:lnB>
-                  </a:tcPr>
-                </a:tc>
-                <a:extLst>
-                  <a:ext uri="{0D108BD9-81ED-4DB2-BD59-A6C34878D82A}">
-                    <a16:rowId xmlns:a16="http://schemas.microsoft.com/office/drawing/2014/main" val="524927834"/>
-                  </a:ext>
-                </a:extLst>
-              </a:tr>
-              <a:tr h="0">
-                <a:tc>
-                  <a:txBody>
-                    <a:bodyPr/>
-                    <a:lstStyle/>
-                    <a:p>
-                      <a:pPr>
-                        <a:buNone/>
-                      </a:pPr>
-                      <a:r>
-                        <a:rPr lang="en-GB" sz="1400" b="1" dirty="0"/>
-                        <a:t>Davies–Bouldin</a:t>
-                      </a:r>
-                    </a:p>
-                  </a:txBody>
-                  <a:tcPr anchor="ctr">
-                    <a:lnL w="12700" cap="flat" cmpd="sng" algn="ctr">
-                      <a:solidFill>
-                        <a:schemeClr val="tx1"/>
-                      </a:solidFill>
-                      <a:prstDash val="solid"/>
-                      <a:round/>
-                      <a:headEnd type="none" w="med" len="med"/>
-                      <a:tailEnd type="none" w="med" len="med"/>
-                    </a:lnL>
-                    <a:lnR w="12700" cap="flat" cmpd="sng" algn="ctr">
-                      <a:solidFill>
-                        <a:schemeClr val="tx1"/>
-                      </a:solidFill>
-                      <a:prstDash val="solid"/>
-                      <a:round/>
-                      <a:headEnd type="none" w="med" len="med"/>
-                      <a:tailEnd type="none" w="med" len="med"/>
-                    </a:lnR>
-                    <a:lnT w="12700" cap="flat" cmpd="sng" algn="ctr">
-                      <a:solidFill>
-                        <a:schemeClr val="tx1"/>
-                      </a:solidFill>
-                      <a:prstDash val="solid"/>
-                      <a:round/>
-                      <a:headEnd type="none" w="med" len="med"/>
-                      <a:tailEnd type="none" w="med" len="med"/>
-                    </a:lnT>
-                    <a:lnB w="12700" cap="flat" cmpd="sng" algn="ctr">
-                      <a:solidFill>
-                        <a:schemeClr val="tx1"/>
-                      </a:solidFill>
-                      <a:prstDash val="solid"/>
-                      <a:round/>
-                      <a:headEnd type="none" w="med" len="med"/>
-                      <a:tailEnd type="none" w="med" len="med"/>
-                    </a:lnB>
-                  </a:tcPr>
-                </a:tc>
-                <a:tc>
-                  <a:txBody>
-                    <a:bodyPr/>
-                    <a:lstStyle/>
-                    <a:p>
-                      <a:pPr>
-                        <a:buNone/>
-                      </a:pPr>
-                      <a:r>
-                        <a:rPr lang="en-GB" sz="1400" dirty="0"/>
-                        <a:t>After clustering</a:t>
-                      </a:r>
-                    </a:p>
-                  </a:txBody>
-                  <a:tcPr anchor="ctr">
-                    <a:lnL w="12700" cap="flat" cmpd="sng" algn="ctr">
-                      <a:solidFill>
-                        <a:schemeClr val="tx1"/>
-                      </a:solidFill>
-                      <a:prstDash val="solid"/>
-                      <a:round/>
-                      <a:headEnd type="none" w="med" len="med"/>
-                      <a:tailEnd type="none" w="med" len="med"/>
-                    </a:lnL>
-                    <a:lnR w="12700" cap="flat" cmpd="sng" algn="ctr">
-                      <a:solidFill>
-                        <a:schemeClr val="tx1"/>
-                      </a:solidFill>
-                      <a:prstDash val="solid"/>
-                      <a:round/>
-                      <a:headEnd type="none" w="med" len="med"/>
-                      <a:tailEnd type="none" w="med" len="med"/>
-                    </a:lnR>
-                    <a:lnT w="12700" cap="flat" cmpd="sng" algn="ctr">
-                      <a:solidFill>
-                        <a:schemeClr val="tx1"/>
-                      </a:solidFill>
-                      <a:prstDash val="solid"/>
-                      <a:round/>
-                      <a:headEnd type="none" w="med" len="med"/>
-                      <a:tailEnd type="none" w="med" len="med"/>
-                    </a:lnT>
-                    <a:lnB w="12700" cap="flat" cmpd="sng" algn="ctr">
-                      <a:solidFill>
-                        <a:schemeClr val="tx1"/>
-                      </a:solidFill>
-                      <a:prstDash val="solid"/>
-                      <a:round/>
-                      <a:headEnd type="none" w="med" len="med"/>
-                      <a:tailEnd type="none" w="med" len="med"/>
-                    </a:lnB>
-                  </a:tcPr>
-                </a:tc>
-                <a:tc>
-                  <a:txBody>
-                    <a:bodyPr/>
-                    <a:lstStyle/>
-                    <a:p>
-                      <a:pPr>
-                        <a:buNone/>
-                      </a:pPr>
-                      <a:r>
-                        <a:rPr lang="en-GB" sz="1400"/>
-                        <a:t>Cluster-level quality</a:t>
-                      </a:r>
-                    </a:p>
-                  </a:txBody>
-                  <a:tcPr anchor="ctr">
-                    <a:lnL w="12700" cap="flat" cmpd="sng" algn="ctr">
-                      <a:solidFill>
-                        <a:schemeClr val="tx1"/>
-                      </a:solidFill>
-                      <a:prstDash val="solid"/>
-                      <a:round/>
-                      <a:headEnd type="none" w="med" len="med"/>
-                      <a:tailEnd type="none" w="med" len="med"/>
-                    </a:lnL>
-                    <a:lnR w="12700" cap="flat" cmpd="sng" algn="ctr">
-                      <a:solidFill>
-                        <a:schemeClr val="tx1"/>
-                      </a:solidFill>
-                      <a:prstDash val="solid"/>
-                      <a:round/>
-                      <a:headEnd type="none" w="med" len="med"/>
-                      <a:tailEnd type="none" w="med" len="med"/>
-                    </a:lnR>
-                    <a:lnT w="12700" cap="flat" cmpd="sng" algn="ctr">
-                      <a:solidFill>
-                        <a:schemeClr val="tx1"/>
-                      </a:solidFill>
-                      <a:prstDash val="solid"/>
-                      <a:round/>
-                      <a:headEnd type="none" w="med" len="med"/>
-                      <a:tailEnd type="none" w="med" len="med"/>
-                    </a:lnT>
-                    <a:lnB w="12700" cap="flat" cmpd="sng" algn="ctr">
-                      <a:solidFill>
-                        <a:schemeClr val="tx1"/>
-                      </a:solidFill>
-                      <a:prstDash val="solid"/>
-                      <a:round/>
-                      <a:headEnd type="none" w="med" len="med"/>
-                      <a:tailEnd type="none" w="med" len="med"/>
-                    </a:lnB>
-                  </a:tcPr>
-                </a:tc>
-                <a:tc>
-                  <a:txBody>
-                    <a:bodyPr/>
-                    <a:lstStyle/>
-                    <a:p>
-                      <a:pPr>
-                        <a:buNone/>
-                      </a:pPr>
-                      <a:r>
-                        <a:rPr lang="en-GB" sz="1400" dirty="0"/>
-                        <a:t>Are clusters good?</a:t>
-                      </a:r>
-                    </a:p>
-                  </a:txBody>
-                  <a:tcPr anchor="ctr">
-                    <a:lnL w="12700" cap="flat" cmpd="sng" algn="ctr">
-                      <a:solidFill>
-                        <a:schemeClr val="tx1"/>
-                      </a:solidFill>
-                      <a:prstDash val="solid"/>
-                      <a:round/>
-                      <a:headEnd type="none" w="med" len="med"/>
-                      <a:tailEnd type="none" w="med" len="med"/>
-                    </a:lnL>
-                    <a:lnR w="12700" cap="flat" cmpd="sng" algn="ctr">
-                      <a:solidFill>
-                        <a:schemeClr val="tx1"/>
-                      </a:solidFill>
-                      <a:prstDash val="solid"/>
-                      <a:round/>
-                      <a:headEnd type="none" w="med" len="med"/>
-                      <a:tailEnd type="none" w="med" len="med"/>
-                    </a:lnR>
-                    <a:lnT w="12700" cap="flat" cmpd="sng" algn="ctr">
-                      <a:solidFill>
-                        <a:schemeClr val="tx1"/>
-                      </a:solidFill>
-                      <a:prstDash val="solid"/>
-                      <a:round/>
-                      <a:headEnd type="none" w="med" len="med"/>
-                      <a:tailEnd type="none" w="med" len="med"/>
-                    </a:lnT>
-                    <a:lnB w="12700" cap="flat" cmpd="sng" algn="ctr">
-                      <a:solidFill>
-                        <a:schemeClr val="tx1"/>
-                      </a:solidFill>
-                      <a:prstDash val="solid"/>
-                      <a:round/>
-                      <a:headEnd type="none" w="med" len="med"/>
-                      <a:tailEnd type="none" w="med" len="med"/>
-                    </a:lnB>
-                  </a:tcPr>
-                </a:tc>
-                <a:extLst>
-                  <a:ext uri="{0D108BD9-81ED-4DB2-BD59-A6C34878D82A}">
-                    <a16:rowId xmlns:a16="http://schemas.microsoft.com/office/drawing/2014/main" val="3482363790"/>
-                  </a:ext>
-                </a:extLst>
-              </a:tr>
-            </a:tbl>
-          </a:graphicData>
-        </a:graphic>
-      </p:graphicFrame>
-      <p:sp>
-        <p:nvSpPr>
-          <p:cNvPr id="6" name="TextBox 5">
-            <a:extLst>
-              <a:ext uri="{FF2B5EF4-FFF2-40B4-BE49-F238E27FC236}">
-                <a16:creationId xmlns:a16="http://schemas.microsoft.com/office/drawing/2014/main" id="{3131FE88-DCE9-1586-12FF-9355BFA15F22}"/>
-              </a:ext>
-            </a:extLst>
-          </p:cNvPr>
-          <p:cNvSpPr txBox="1"/>
-          <p:nvPr/>
-        </p:nvSpPr>
-        <p:spPr>
-          <a:xfrm>
-            <a:off x="195444" y="2045185"/>
-            <a:ext cx="2819982" cy="3754874"/>
-          </a:xfrm>
-          <a:prstGeom prst="rect">
-            <a:avLst/>
-          </a:prstGeom>
-          <a:solidFill>
-            <a:schemeClr val="accent4">
-              <a:lumMod val="20000"/>
-              <a:lumOff val="80000"/>
-            </a:schemeClr>
-          </a:solidFill>
-        </p:spPr>
-        <p:txBody>
-          <a:bodyPr wrap="square" rtlCol="0">
-            <a:spAutoFit/>
-          </a:bodyPr>
-          <a:lstStyle/>
-          <a:p>
-            <a:r>
-              <a:rPr lang="en-IN" sz="1400" dirty="0"/>
-              <a:t>Example: Run K-Means (k = 2) on customer data</a:t>
-            </a:r>
-          </a:p>
-          <a:p>
-            <a:endParaRPr lang="en-IN" sz="1400" dirty="0"/>
-          </a:p>
-          <a:p>
-            <a:r>
-              <a:rPr lang="en-IN" sz="1400" dirty="0"/>
-              <a:t>Features: Annual spending, Visit frequency</a:t>
-            </a:r>
-          </a:p>
-          <a:p>
-            <a:endParaRPr lang="en-IN" sz="1400" dirty="0"/>
-          </a:p>
-          <a:p>
-            <a:r>
-              <a:rPr lang="en-IN" sz="1400" dirty="0"/>
-              <a:t>Labels: Unknown (Unsupervised learning)</a:t>
-            </a:r>
-          </a:p>
-          <a:p>
-            <a:endParaRPr lang="en-IN" sz="1400" dirty="0"/>
-          </a:p>
-          <a:p>
-            <a:r>
-              <a:rPr lang="en-IN" sz="1400" dirty="0"/>
-              <a:t>After clustering</a:t>
-            </a:r>
-          </a:p>
-          <a:p>
-            <a:pPr marL="285750" indent="-285750">
-              <a:buFontTx/>
-              <a:buChar char="-"/>
-            </a:pPr>
-            <a:r>
-              <a:rPr lang="en-IN" sz="1400" dirty="0"/>
-              <a:t>Cluster A: Regular customers</a:t>
-            </a:r>
-          </a:p>
-          <a:p>
-            <a:pPr marL="285750" indent="-285750">
-              <a:buFontTx/>
-              <a:buChar char="-"/>
-            </a:pPr>
-            <a:r>
-              <a:rPr lang="en-IN" sz="1400" dirty="0"/>
-              <a:t>Cluster B: Occasional customers</a:t>
-            </a:r>
-          </a:p>
-          <a:p>
-            <a:endParaRPr lang="en-IN" sz="1400" dirty="0"/>
-          </a:p>
-          <a:p>
-            <a:r>
-              <a:rPr lang="en-IN" sz="1400" dirty="0"/>
-              <a:t>Objectives</a:t>
-            </a:r>
-          </a:p>
-          <a:p>
-            <a:pPr marL="342900" indent="-342900">
-              <a:buAutoNum type="arabicPeriod"/>
-            </a:pPr>
-            <a:r>
-              <a:rPr lang="en-IN" sz="1400" dirty="0"/>
-              <a:t>Measure similarity between points</a:t>
-            </a:r>
-          </a:p>
-          <a:p>
-            <a:pPr marL="342900" indent="-342900">
-              <a:buAutoNum type="arabicPeriod"/>
-            </a:pPr>
-            <a:r>
-              <a:rPr lang="en-IN" sz="1400" dirty="0"/>
-              <a:t>Judge how good clustering is</a:t>
-            </a:r>
-            <a:endParaRPr lang="en-GB" sz="1400" dirty="0"/>
-          </a:p>
-        </p:txBody>
-      </p:sp>
-      <p:sp>
-        <p:nvSpPr>
-          <p:cNvPr id="7" name="TextBox 6">
-            <a:extLst>
-              <a:ext uri="{FF2B5EF4-FFF2-40B4-BE49-F238E27FC236}">
-                <a16:creationId xmlns:a16="http://schemas.microsoft.com/office/drawing/2014/main" id="{E7004443-9153-9879-B538-078692FDCDF5}"/>
-              </a:ext>
-            </a:extLst>
-          </p:cNvPr>
-          <p:cNvSpPr txBox="1"/>
-          <p:nvPr/>
-        </p:nvSpPr>
-        <p:spPr>
-          <a:xfrm>
-            <a:off x="3052653" y="2045185"/>
-            <a:ext cx="2819982" cy="3970318"/>
-          </a:xfrm>
-          <a:prstGeom prst="rect">
-            <a:avLst/>
-          </a:prstGeom>
-          <a:solidFill>
-            <a:schemeClr val="accent4">
-              <a:lumMod val="20000"/>
-              <a:lumOff val="80000"/>
-            </a:schemeClr>
-          </a:solidFill>
-        </p:spPr>
-        <p:txBody>
-          <a:bodyPr wrap="square" rtlCol="0">
-            <a:spAutoFit/>
-          </a:bodyPr>
-          <a:lstStyle/>
-          <a:p>
-            <a:pPr algn="ctr"/>
-            <a:r>
-              <a:rPr lang="en-IN" sz="1400" b="1" dirty="0"/>
-              <a:t>Cosine Similarity</a:t>
-            </a:r>
-          </a:p>
-          <a:p>
-            <a:endParaRPr lang="en-GB" sz="1400" dirty="0"/>
-          </a:p>
-          <a:p>
-            <a:r>
-              <a:rPr lang="en-GB" sz="1400" dirty="0"/>
-              <a:t>Customer vectors</a:t>
-            </a:r>
-          </a:p>
-          <a:p>
-            <a:pPr marL="285750" indent="-285750">
-              <a:buFontTx/>
-              <a:buChar char="-"/>
-            </a:pPr>
-            <a:r>
-              <a:rPr lang="en-GB" sz="1400" dirty="0"/>
-              <a:t>Customer 1 = (High spending, High visits) -&gt; (8, 7)</a:t>
-            </a:r>
-          </a:p>
-          <a:p>
-            <a:pPr marL="285750" indent="-285750">
-              <a:buFontTx/>
-              <a:buChar char="-"/>
-            </a:pPr>
-            <a:r>
-              <a:rPr lang="en-GB" sz="1400" dirty="0"/>
-              <a:t>Customer 2 = (High spending, Medium visits) =&gt; (7, 6)</a:t>
-            </a:r>
-          </a:p>
-          <a:p>
-            <a:endParaRPr lang="en-GB" sz="1400" dirty="0"/>
-          </a:p>
-          <a:p>
-            <a:r>
-              <a:rPr lang="en-GB" sz="1400" dirty="0"/>
-              <a:t>Cosine similarity = High</a:t>
-            </a:r>
-          </a:p>
-          <a:p>
-            <a:pPr marL="285750" indent="-285750">
-              <a:buFontTx/>
-              <a:buChar char="-"/>
-            </a:pPr>
-            <a:r>
-              <a:rPr lang="en-GB" sz="1400" dirty="0"/>
-              <a:t>Both point in almost the same direction</a:t>
-            </a:r>
-          </a:p>
-          <a:p>
-            <a:pPr marL="285750" indent="-285750">
-              <a:buFontTx/>
-              <a:buChar char="-"/>
-            </a:pPr>
-            <a:r>
-              <a:rPr lang="en-GB" sz="1400" dirty="0"/>
-              <a:t>Even if spending amounts differs, their behaviour pattern is similar</a:t>
-            </a:r>
-          </a:p>
-          <a:p>
-            <a:endParaRPr lang="en-GB" sz="1400" dirty="0"/>
-          </a:p>
-          <a:p>
-            <a:r>
-              <a:rPr lang="en-GB" sz="1400" dirty="0"/>
-              <a:t>Summary: Helps decide which points are similar when no labels exist</a:t>
-            </a:r>
-          </a:p>
-        </p:txBody>
-      </p:sp>
-      <p:sp>
-        <p:nvSpPr>
-          <p:cNvPr id="8" name="TextBox 7">
-            <a:extLst>
-              <a:ext uri="{FF2B5EF4-FFF2-40B4-BE49-F238E27FC236}">
-                <a16:creationId xmlns:a16="http://schemas.microsoft.com/office/drawing/2014/main" id="{3873806F-F5C8-81C8-312E-C24DAEDDBD65}"/>
-              </a:ext>
-            </a:extLst>
-          </p:cNvPr>
-          <p:cNvSpPr txBox="1"/>
-          <p:nvPr/>
-        </p:nvSpPr>
-        <p:spPr>
-          <a:xfrm>
-            <a:off x="5909862" y="2045185"/>
-            <a:ext cx="2819982" cy="4616648"/>
-          </a:xfrm>
-          <a:prstGeom prst="rect">
-            <a:avLst/>
-          </a:prstGeom>
-          <a:solidFill>
-            <a:schemeClr val="accent4">
-              <a:lumMod val="20000"/>
-              <a:lumOff val="80000"/>
-            </a:schemeClr>
-          </a:solidFill>
-        </p:spPr>
-        <p:txBody>
-          <a:bodyPr wrap="square" rtlCol="0">
-            <a:spAutoFit/>
-          </a:bodyPr>
-          <a:lstStyle/>
-          <a:p>
-            <a:pPr algn="ctr"/>
-            <a:r>
-              <a:rPr lang="en-IN" sz="1400" b="1" dirty="0"/>
-              <a:t>Silhouette Score</a:t>
-            </a:r>
-          </a:p>
-          <a:p>
-            <a:endParaRPr lang="en-GB" sz="1400" dirty="0"/>
-          </a:p>
-          <a:p>
-            <a:r>
-              <a:rPr lang="en-GB" sz="1400" dirty="0"/>
-              <a:t>One customer in Cluster A</a:t>
-            </a:r>
-          </a:p>
-          <a:p>
-            <a:pPr marL="285750" indent="-285750">
-              <a:buFontTx/>
-              <a:buChar char="-"/>
-            </a:pPr>
-            <a:r>
-              <a:rPr lang="en-GB" sz="1400" dirty="0"/>
-              <a:t>a = Average distance to other customers in Cluster A</a:t>
-            </a:r>
-          </a:p>
-          <a:p>
-            <a:pPr marL="285750" indent="-285750">
-              <a:buFontTx/>
-              <a:buChar char="-"/>
-            </a:pPr>
-            <a:r>
-              <a:rPr lang="en-GB" sz="1400" dirty="0"/>
-              <a:t>b = Average distance to customers in nearest another cluster (B)</a:t>
-            </a:r>
-          </a:p>
-          <a:p>
-            <a:endParaRPr lang="en-GB" sz="1400" dirty="0"/>
-          </a:p>
-          <a:p>
-            <a:r>
-              <a:rPr lang="en-GB" sz="1400" dirty="0"/>
-              <a:t>If</a:t>
-            </a:r>
-          </a:p>
-          <a:p>
-            <a:pPr marL="285750" indent="-285750">
-              <a:buFontTx/>
-              <a:buChar char="-"/>
-            </a:pPr>
-            <a:r>
-              <a:rPr lang="en-GB" sz="1400" dirty="0"/>
-              <a:t>a is small (close to own cluster)</a:t>
-            </a:r>
-          </a:p>
-          <a:p>
-            <a:pPr marL="285750" indent="-285750">
-              <a:buFontTx/>
-              <a:buChar char="-"/>
-            </a:pPr>
-            <a:r>
-              <a:rPr lang="en-GB" sz="1400" dirty="0"/>
-              <a:t>b is large (far from another cluster)</a:t>
-            </a:r>
-          </a:p>
-          <a:p>
-            <a:endParaRPr lang="en-GB" sz="1400" dirty="0"/>
-          </a:p>
-          <a:p>
-            <a:r>
-              <a:rPr lang="en-GB" sz="1400" dirty="0"/>
-              <a:t>Silhouette score ≈ 1</a:t>
-            </a:r>
-          </a:p>
-          <a:p>
-            <a:endParaRPr lang="en-GB" sz="1400" dirty="0"/>
-          </a:p>
-          <a:p>
-            <a:r>
-              <a:rPr lang="en-GB" sz="1400" dirty="0"/>
-              <a:t>If score ≈ 1 -&gt; Correct cluster assignment</a:t>
-            </a:r>
-          </a:p>
-          <a:p>
-            <a:r>
-              <a:rPr lang="en-GB" sz="1400" dirty="0"/>
-              <a:t>If score ≈ 0 -&gt; Clusters overlap</a:t>
-            </a:r>
-          </a:p>
-          <a:p>
-            <a:r>
-              <a:rPr lang="en-GB" sz="1400" dirty="0"/>
-              <a:t>If score &lt; 0 -&gt; Wrong cluster assignment</a:t>
-            </a:r>
-          </a:p>
-        </p:txBody>
-      </p:sp>
-      <p:sp>
-        <p:nvSpPr>
-          <p:cNvPr id="9" name="TextBox 8">
-            <a:extLst>
-              <a:ext uri="{FF2B5EF4-FFF2-40B4-BE49-F238E27FC236}">
-                <a16:creationId xmlns:a16="http://schemas.microsoft.com/office/drawing/2014/main" id="{E2B2B866-D47E-11F5-5BA4-338323460F54}"/>
-              </a:ext>
-            </a:extLst>
-          </p:cNvPr>
-          <p:cNvSpPr txBox="1"/>
-          <p:nvPr/>
-        </p:nvSpPr>
-        <p:spPr>
-          <a:xfrm>
-            <a:off x="8767071" y="2045185"/>
-            <a:ext cx="2819982" cy="3108543"/>
-          </a:xfrm>
-          <a:prstGeom prst="rect">
-            <a:avLst/>
-          </a:prstGeom>
-          <a:solidFill>
-            <a:schemeClr val="accent4">
-              <a:lumMod val="20000"/>
-              <a:lumOff val="80000"/>
-            </a:schemeClr>
-          </a:solidFill>
-        </p:spPr>
-        <p:txBody>
-          <a:bodyPr wrap="square" rtlCol="0">
-            <a:spAutoFit/>
-          </a:bodyPr>
-          <a:lstStyle/>
-          <a:p>
-            <a:pPr algn="ctr"/>
-            <a:r>
-              <a:rPr lang="en-IN" sz="1400" b="1" dirty="0"/>
-              <a:t>Davies-Bouldin Index</a:t>
-            </a:r>
-          </a:p>
-          <a:p>
-            <a:endParaRPr lang="en-GB" sz="1400" dirty="0"/>
-          </a:p>
-          <a:p>
-            <a:r>
-              <a:rPr lang="en-US" sz="1400" dirty="0"/>
-              <a:t>Low DBI value</a:t>
-            </a:r>
-          </a:p>
-          <a:p>
-            <a:pPr marL="285750" indent="-285750">
-              <a:buFontTx/>
-              <a:buChar char="-"/>
-            </a:pPr>
-            <a:r>
-              <a:rPr lang="en-US" sz="1400" dirty="0"/>
-              <a:t>Cluster A: customers tightly grouped </a:t>
-            </a:r>
-          </a:p>
-          <a:p>
-            <a:pPr marL="285750" indent="-285750">
-              <a:buFontTx/>
-              <a:buChar char="-"/>
-            </a:pPr>
-            <a:r>
-              <a:rPr lang="en-US" sz="1400" dirty="0"/>
-              <a:t>Cluster B: customers tightly grouped </a:t>
-            </a:r>
-          </a:p>
-          <a:p>
-            <a:pPr marL="285750" indent="-285750">
-              <a:buFontTx/>
-              <a:buChar char="-"/>
-            </a:pPr>
-            <a:r>
-              <a:rPr lang="en-US" sz="1400" dirty="0"/>
-              <a:t>Distance between cluster centers is large</a:t>
-            </a:r>
-          </a:p>
-          <a:p>
-            <a:endParaRPr lang="en-US" sz="1400" dirty="0"/>
-          </a:p>
-          <a:p>
-            <a:r>
-              <a:rPr lang="en-US" sz="1400" dirty="0"/>
-              <a:t>High DBI value (Bad Clustering)</a:t>
-            </a:r>
-          </a:p>
-          <a:p>
-            <a:pPr marL="285750" indent="-285750">
-              <a:buFontTx/>
-              <a:buChar char="-"/>
-            </a:pPr>
-            <a:r>
-              <a:rPr lang="en-US" sz="1400" dirty="0"/>
-              <a:t>Clusters are spread out internally</a:t>
-            </a:r>
-          </a:p>
-          <a:p>
-            <a:pPr marL="285750" indent="-285750">
-              <a:buFontTx/>
-              <a:buChar char="-"/>
-            </a:pPr>
-            <a:r>
-              <a:rPr lang="en-US" sz="1400" dirty="0"/>
-              <a:t>Cluster centers are close</a:t>
-            </a:r>
-          </a:p>
-        </p:txBody>
-      </p:sp>
-    </p:spTree>
-    <p:extLst>
-      <p:ext uri="{BB962C8B-B14F-4D97-AF65-F5344CB8AC3E}">
-        <p14:creationId xmlns:p14="http://schemas.microsoft.com/office/powerpoint/2010/main" val="1198441845"/>
       </p:ext>
     </p:extLst>
   </p:cSld>

--- a/slides/ML - Module 4 - Unsupervised Machine Learning.pptx
+++ b/slides/ML - Module 4 - Unsupervised Machine Learning.pptx
@@ -273,7 +273,7 @@
           <a:p>
             <a:fld id="{1E72A6B1-85D5-4955-A616-DF87C3C0F9B2}" type="datetimeFigureOut">
               <a:rPr lang="en-GB" smtClean="0"/>
-              <a:t>30/01/2026</a:t>
+              <a:t>01/02/2026</a:t>
             </a:fld>
             <a:endParaRPr lang="en-GB"/>
           </a:p>
@@ -473,7 +473,7 @@
           <a:p>
             <a:fld id="{1E72A6B1-85D5-4955-A616-DF87C3C0F9B2}" type="datetimeFigureOut">
               <a:rPr lang="en-GB" smtClean="0"/>
-              <a:t>30/01/2026</a:t>
+              <a:t>01/02/2026</a:t>
             </a:fld>
             <a:endParaRPr lang="en-GB"/>
           </a:p>
@@ -683,7 +683,7 @@
           <a:p>
             <a:fld id="{1E72A6B1-85D5-4955-A616-DF87C3C0F9B2}" type="datetimeFigureOut">
               <a:rPr lang="en-GB" smtClean="0"/>
-              <a:t>30/01/2026</a:t>
+              <a:t>01/02/2026</a:t>
             </a:fld>
             <a:endParaRPr lang="en-GB"/>
           </a:p>
@@ -883,7 +883,7 @@
           <a:p>
             <a:fld id="{1E72A6B1-85D5-4955-A616-DF87C3C0F9B2}" type="datetimeFigureOut">
               <a:rPr lang="en-GB" smtClean="0"/>
-              <a:t>30/01/2026</a:t>
+              <a:t>01/02/2026</a:t>
             </a:fld>
             <a:endParaRPr lang="en-GB"/>
           </a:p>
@@ -1159,7 +1159,7 @@
           <a:p>
             <a:fld id="{1E72A6B1-85D5-4955-A616-DF87C3C0F9B2}" type="datetimeFigureOut">
               <a:rPr lang="en-GB" smtClean="0"/>
-              <a:t>30/01/2026</a:t>
+              <a:t>01/02/2026</a:t>
             </a:fld>
             <a:endParaRPr lang="en-GB"/>
           </a:p>
@@ -1427,7 +1427,7 @@
           <a:p>
             <a:fld id="{1E72A6B1-85D5-4955-A616-DF87C3C0F9B2}" type="datetimeFigureOut">
               <a:rPr lang="en-GB" smtClean="0"/>
-              <a:t>30/01/2026</a:t>
+              <a:t>01/02/2026</a:t>
             </a:fld>
             <a:endParaRPr lang="en-GB"/>
           </a:p>
@@ -1842,7 +1842,7 @@
           <a:p>
             <a:fld id="{1E72A6B1-85D5-4955-A616-DF87C3C0F9B2}" type="datetimeFigureOut">
               <a:rPr lang="en-GB" smtClean="0"/>
-              <a:t>30/01/2026</a:t>
+              <a:t>01/02/2026</a:t>
             </a:fld>
             <a:endParaRPr lang="en-GB"/>
           </a:p>
@@ -1984,7 +1984,7 @@
           <a:p>
             <a:fld id="{1E72A6B1-85D5-4955-A616-DF87C3C0F9B2}" type="datetimeFigureOut">
               <a:rPr lang="en-GB" smtClean="0"/>
-              <a:t>30/01/2026</a:t>
+              <a:t>01/02/2026</a:t>
             </a:fld>
             <a:endParaRPr lang="en-GB"/>
           </a:p>
@@ -2097,7 +2097,7 @@
           <a:p>
             <a:fld id="{1E72A6B1-85D5-4955-A616-DF87C3C0F9B2}" type="datetimeFigureOut">
               <a:rPr lang="en-GB" smtClean="0"/>
-              <a:t>30/01/2026</a:t>
+              <a:t>01/02/2026</a:t>
             </a:fld>
             <a:endParaRPr lang="en-GB"/>
           </a:p>
@@ -2410,7 +2410,7 @@
           <a:p>
             <a:fld id="{1E72A6B1-85D5-4955-A616-DF87C3C0F9B2}" type="datetimeFigureOut">
               <a:rPr lang="en-GB" smtClean="0"/>
-              <a:t>30/01/2026</a:t>
+              <a:t>01/02/2026</a:t>
             </a:fld>
             <a:endParaRPr lang="en-GB"/>
           </a:p>
@@ -2699,7 +2699,7 @@
           <a:p>
             <a:fld id="{1E72A6B1-85D5-4955-A616-DF87C3C0F9B2}" type="datetimeFigureOut">
               <a:rPr lang="en-GB" smtClean="0"/>
-              <a:t>30/01/2026</a:t>
+              <a:t>01/02/2026</a:t>
             </a:fld>
             <a:endParaRPr lang="en-GB"/>
           </a:p>
@@ -2942,7 +2942,7 @@
           <a:p>
             <a:fld id="{1E72A6B1-85D5-4955-A616-DF87C3C0F9B2}" type="datetimeFigureOut">
               <a:rPr lang="en-GB" smtClean="0"/>
-              <a:t>30/01/2026</a:t>
+              <a:t>01/02/2026</a:t>
             </a:fld>
             <a:endParaRPr lang="en-GB"/>
           </a:p>
@@ -28636,7 +28636,7 @@
           <p:nvPr>
             <p:extLst>
               <p:ext uri="{D42A27DB-BD31-4B8C-83A1-F6EECF244321}">
-                <p14:modId xmlns:p14="http://schemas.microsoft.com/office/powerpoint/2010/main" val="2820394390"/>
+                <p14:modId xmlns:p14="http://schemas.microsoft.com/office/powerpoint/2010/main" val="550267818"/>
               </p:ext>
             </p:extLst>
           </p:nvPr>
@@ -29183,7 +29183,7 @@
                       </a:pPr>
                       <a:r>
                         <a:rPr lang="en-GB" sz="1400" dirty="0"/>
-                        <a:t>Bread, Milk, Cola</a:t>
+                        <a:t>Milk, Bread, Cola</a:t>
                       </a:r>
                     </a:p>
                   </a:txBody>
@@ -29296,7 +29296,7 @@
                       </a:pPr>
                       <a:r>
                         <a:rPr lang="en-GB" sz="1400" dirty="0"/>
-                        <a:t>Bread, Milk, Eggs</a:t>
+                        <a:t>Eggs, Milk, Bread</a:t>
                       </a:r>
                     </a:p>
                   </a:txBody>
@@ -30060,8 +30060,8 @@
         </p:nvSpPr>
         <p:spPr>
           <a:xfrm>
-            <a:off x="3867586" y="2429519"/>
-            <a:ext cx="2547174" cy="523220"/>
+            <a:off x="3783243" y="2429519"/>
+            <a:ext cx="2962878" cy="523220"/>
           </a:xfrm>
           <a:prstGeom prst="rect">
             <a:avLst/>
@@ -30077,7 +30077,7 @@
             <a:pPr algn="ctr"/>
             <a:r>
               <a:rPr lang="en-IN" sz="1400" dirty="0"/>
-              <a:t>Step 2: Sort items in each transaction (Descending order)</a:t>
+              <a:t>Step 2: Sort items in each transaction (Descending frequency order)</a:t>
             </a:r>
             <a:endParaRPr lang="en-GB" sz="1400" dirty="0"/>
           </a:p>
@@ -30813,95 +30813,6 @@
       </p:graphicFrame>
       <p:sp>
         <p:nvSpPr>
-          <p:cNvPr id="14" name="TextBox 13">
-            <a:extLst>
-              <a:ext uri="{FF2B5EF4-FFF2-40B4-BE49-F238E27FC236}">
-                <a16:creationId xmlns:a16="http://schemas.microsoft.com/office/drawing/2014/main" id="{E18DDAC4-5BBD-B6E4-015A-8E007CF356CC}"/>
-              </a:ext>
-            </a:extLst>
-          </p:cNvPr>
-          <p:cNvSpPr txBox="1"/>
-          <p:nvPr/>
-        </p:nvSpPr>
-        <p:spPr>
-          <a:xfrm>
-            <a:off x="6999348" y="566678"/>
-            <a:ext cx="3624444" cy="2862322"/>
-          </a:xfrm>
-          <a:prstGeom prst="rect">
-            <a:avLst/>
-          </a:prstGeom>
-          <a:noFill/>
-        </p:spPr>
-        <p:txBody>
-          <a:bodyPr wrap="square">
-            <a:spAutoFit/>
-          </a:bodyPr>
-          <a:lstStyle/>
-          <a:p>
-            <a:r>
-              <a:rPr lang="en-GB" dirty="0"/>
-              <a:t>NULL</a:t>
-            </a:r>
-          </a:p>
-          <a:p>
-            <a:r>
-              <a:rPr lang="en-GB" dirty="0"/>
-              <a:t> ├─ Bread(4)</a:t>
-            </a:r>
-          </a:p>
-          <a:p>
-            <a:r>
-              <a:rPr lang="en-GB" dirty="0"/>
-              <a:t> │   └─ Milk(3)</a:t>
-            </a:r>
-          </a:p>
-          <a:p>
-            <a:r>
-              <a:rPr lang="en-GB" dirty="0"/>
-              <a:t> │       ├─ Cola(1)</a:t>
-            </a:r>
-          </a:p>
-          <a:p>
-            <a:r>
-              <a:rPr lang="en-GB" dirty="0"/>
-              <a:t> │       └─ Eggs(1)</a:t>
-            </a:r>
-          </a:p>
-          <a:p>
-            <a:r>
-              <a:rPr lang="en-GB" dirty="0"/>
-              <a:t> │   └─ Cola(1)</a:t>
-            </a:r>
-          </a:p>
-          <a:p>
-            <a:r>
-              <a:rPr lang="en-GB" dirty="0"/>
-              <a:t> │       └─ Eggs(1)</a:t>
-            </a:r>
-          </a:p>
-          <a:p>
-            <a:r>
-              <a:rPr lang="en-GB" dirty="0"/>
-              <a:t> └─ Milk(1)</a:t>
-            </a:r>
-          </a:p>
-          <a:p>
-            <a:r>
-              <a:rPr lang="en-GB" dirty="0"/>
-              <a:t>     └─ Cola(1)</a:t>
-            </a:r>
-          </a:p>
-          <a:p>
-            <a:r>
-              <a:rPr lang="en-GB" dirty="0"/>
-              <a:t>         └─ Eggs(1)</a:t>
-            </a:r>
-          </a:p>
-        </p:txBody>
-      </p:sp>
-      <p:sp>
-        <p:nvSpPr>
           <p:cNvPr id="15" name="TextBox 14">
             <a:extLst>
               <a:ext uri="{FF2B5EF4-FFF2-40B4-BE49-F238E27FC236}">
@@ -30968,7 +30879,11 @@
             <a:pPr algn="ctr"/>
             <a:r>
               <a:rPr lang="en-IN" sz="1400" dirty="0"/>
-              <a:t>Step 4: Mining Frequent Patterns</a:t>
+              <a:t>Step 4: Mining Frequent </a:t>
+            </a:r>
+            <a:r>
+              <a:rPr lang="en-IN" sz="1400"/>
+              <a:t>Patterns Examples</a:t>
             </a:r>
             <a:endParaRPr lang="en-GB" sz="1400" dirty="0"/>
           </a:p>
@@ -30989,7 +30904,7 @@
         <p:spPr>
           <a:xfrm>
             <a:off x="9239978" y="678488"/>
-            <a:ext cx="2596036" cy="2462213"/>
+            <a:ext cx="2596036" cy="3754874"/>
           </a:xfrm>
           <a:prstGeom prst="rect">
             <a:avLst/>
@@ -31017,40 +30932,45 @@
             <a:endParaRPr lang="en-IN" sz="1400" dirty="0"/>
           </a:p>
           <a:p>
-            <a:r>
-              <a:rPr lang="en-IN" sz="1400" dirty="0"/>
-              <a:t>Conditional pattern base</a:t>
-            </a:r>
-          </a:p>
-          <a:p>
             <a:pPr marL="285750" indent="-285750">
-              <a:buFontTx/>
-              <a:buChar char="-"/>
+              <a:buFont typeface="Arial" panose="020B0604020202020204" pitchFamily="34" charset="0"/>
+              <a:buChar char="•"/>
             </a:pPr>
             <a:r>
-              <a:rPr lang="en-IN" sz="1400" dirty="0"/>
-              <a:t>Bread -&gt; Milk -&gt; Cola</a:t>
+              <a:rPr lang="en-US" sz="1400" dirty="0"/>
+              <a:t>Look at all paths in the FP-Tree that contain Cola</a:t>
             </a:r>
           </a:p>
           <a:p>
             <a:pPr marL="285750" indent="-285750">
-              <a:buFontTx/>
-              <a:buChar char="-"/>
+              <a:buFont typeface="Arial" panose="020B0604020202020204" pitchFamily="34" charset="0"/>
+              <a:buChar char="•"/>
             </a:pPr>
             <a:r>
-              <a:rPr lang="en-IN" sz="1400" dirty="0"/>
-              <a:t>Bread -&gt; Cola</a:t>
+              <a:rPr lang="en-US" sz="1400" dirty="0"/>
+              <a:t>Collect the items that appear before Cola in those paths</a:t>
             </a:r>
           </a:p>
           <a:p>
             <a:pPr marL="285750" indent="-285750">
-              <a:buFontTx/>
-              <a:buChar char="-"/>
+              <a:buFont typeface="Arial" panose="020B0604020202020204" pitchFamily="34" charset="0"/>
+              <a:buChar char="•"/>
             </a:pPr>
             <a:r>
-              <a:rPr lang="en-IN" sz="1400" dirty="0"/>
-              <a:t>Milk -&gt; Cola</a:t>
-            </a:r>
+              <a:rPr lang="en-US" sz="1400" dirty="0"/>
+              <a:t>These paths form the conditional pattern base of Cola</a:t>
+            </a:r>
+          </a:p>
+          <a:p>
+            <a:pPr marL="285750" indent="-285750">
+              <a:buFont typeface="Arial" panose="020B0604020202020204" pitchFamily="34" charset="0"/>
+              <a:buChar char="•"/>
+            </a:pPr>
+            <a:r>
+              <a:rPr lang="en-US" sz="1400" dirty="0"/>
+              <a:t>From these paths, find combinations that satisfy minimum support</a:t>
+            </a:r>
+            <a:endParaRPr lang="en-IN" sz="1400" dirty="0"/>
           </a:p>
           <a:p>
             <a:endParaRPr lang="en-IN" sz="1400" dirty="0"/>
@@ -31113,8 +31033,8 @@
         </p:nvSpPr>
         <p:spPr>
           <a:xfrm>
-            <a:off x="9239978" y="3283989"/>
-            <a:ext cx="2596036" cy="2462213"/>
+            <a:off x="9239978" y="4486675"/>
+            <a:ext cx="2596036" cy="2246769"/>
           </a:xfrm>
           <a:prstGeom prst="rect">
             <a:avLst/>
@@ -31135,11 +31055,8 @@
             <a:pPr algn="ctr"/>
             <a:r>
               <a:rPr lang="en-IN" sz="1400" b="1" dirty="0"/>
-              <a:t>Patterns with Eggs</a:t>
-            </a:r>
-          </a:p>
-          <a:p>
-            <a:endParaRPr lang="en-IN" sz="1400" dirty="0"/>
+              <a:t>Repeat for Eggs</a:t>
+            </a:r>
           </a:p>
           <a:p>
             <a:r>
@@ -31351,6 +31268,154 @@
               <a:t>Itemsets</a:t>
             </a:r>
             <a:endParaRPr lang="en-GB" sz="1400" dirty="0"/>
+          </a:p>
+        </p:txBody>
+      </p:sp>
+      <p:pic>
+        <p:nvPicPr>
+          <p:cNvPr id="3" name="Picture 2">
+            <a:extLst>
+              <a:ext uri="{FF2B5EF4-FFF2-40B4-BE49-F238E27FC236}">
+                <a16:creationId xmlns:a16="http://schemas.microsoft.com/office/drawing/2014/main" id="{95A6F2F8-90BC-A13F-E245-632DCA9FF9F0}"/>
+              </a:ext>
+            </a:extLst>
+          </p:cNvPr>
+          <p:cNvPicPr>
+            <a:picLocks noChangeAspect="1"/>
+          </p:cNvPicPr>
+          <p:nvPr/>
+        </p:nvPicPr>
+        <p:blipFill>
+          <a:blip r:embed="rId2"/>
+          <a:stretch>
+            <a:fillRect/>
+          </a:stretch>
+        </p:blipFill>
+        <p:spPr>
+          <a:xfrm>
+            <a:off x="6708123" y="489912"/>
+            <a:ext cx="2325028" cy="3201384"/>
+          </a:xfrm>
+          <a:prstGeom prst="rect">
+            <a:avLst/>
+          </a:prstGeom>
+        </p:spPr>
+      </p:pic>
+      <p:cxnSp>
+        <p:nvCxnSpPr>
+          <p:cNvPr id="21" name="Straight Arrow Connector 20">
+            <a:extLst>
+              <a:ext uri="{FF2B5EF4-FFF2-40B4-BE49-F238E27FC236}">
+                <a16:creationId xmlns:a16="http://schemas.microsoft.com/office/drawing/2014/main" id="{E8A08ECF-30D1-F1F3-CBBE-CA8676466EBD}"/>
+              </a:ext>
+            </a:extLst>
+          </p:cNvPr>
+          <p:cNvCxnSpPr>
+            <a:cxnSpLocks/>
+          </p:cNvCxnSpPr>
+          <p:nvPr/>
+        </p:nvCxnSpPr>
+        <p:spPr>
+          <a:xfrm flipH="1">
+            <a:off x="6547965" y="1597454"/>
+            <a:ext cx="1388469" cy="3323554"/>
+          </a:xfrm>
+          <a:prstGeom prst="straightConnector1">
+            <a:avLst/>
+          </a:prstGeom>
+          <a:ln>
+            <a:tailEnd type="triangle"/>
+          </a:ln>
+        </p:spPr>
+        <p:style>
+          <a:lnRef idx="1">
+            <a:schemeClr val="accent1"/>
+          </a:lnRef>
+          <a:fillRef idx="0">
+            <a:schemeClr val="accent1"/>
+          </a:fillRef>
+          <a:effectRef idx="0">
+            <a:schemeClr val="accent1"/>
+          </a:effectRef>
+          <a:fontRef idx="minor">
+            <a:schemeClr val="tx1"/>
+          </a:fontRef>
+        </p:style>
+      </p:cxnSp>
+      <p:sp>
+        <p:nvSpPr>
+          <p:cNvPr id="22" name="TextBox 21">
+            <a:extLst>
+              <a:ext uri="{FF2B5EF4-FFF2-40B4-BE49-F238E27FC236}">
+                <a16:creationId xmlns:a16="http://schemas.microsoft.com/office/drawing/2014/main" id="{04D96957-561D-9EA1-1EBA-F0E297F2C334}"/>
+              </a:ext>
+            </a:extLst>
+          </p:cNvPr>
+          <p:cNvSpPr txBox="1"/>
+          <p:nvPr/>
+        </p:nvSpPr>
+        <p:spPr>
+          <a:xfrm>
+            <a:off x="3899328" y="4953661"/>
+            <a:ext cx="2768939" cy="1384995"/>
+          </a:xfrm>
+          <a:prstGeom prst="rect">
+            <a:avLst/>
+          </a:prstGeom>
+          <a:solidFill>
+            <a:schemeClr val="accent4">
+              <a:lumMod val="60000"/>
+              <a:lumOff val="40000"/>
+            </a:schemeClr>
+          </a:solidFill>
+        </p:spPr>
+        <p:txBody>
+          <a:bodyPr wrap="square" rtlCol="0">
+            <a:spAutoFit/>
+          </a:bodyPr>
+          <a:lstStyle/>
+          <a:p>
+            <a:r>
+              <a:rPr lang="en-IN" sz="1200" dirty="0"/>
+              <a:t>Sample interpretation:</a:t>
+            </a:r>
+          </a:p>
+          <a:p>
+            <a:r>
+              <a:rPr lang="en-GB" sz="1200" dirty="0"/>
+              <a:t>NULL → Bread(4) → Milk(3) → Cola(1)</a:t>
+            </a:r>
+          </a:p>
+          <a:p>
+            <a:pPr marL="285750" indent="-285750">
+              <a:buFontTx/>
+              <a:buChar char="-"/>
+            </a:pPr>
+            <a:r>
+              <a:rPr lang="en-GB" sz="1200" dirty="0"/>
+              <a:t>Bread(4): 4 transactions</a:t>
+            </a:r>
+          </a:p>
+          <a:p>
+            <a:pPr marL="285750" indent="-285750">
+              <a:buFontTx/>
+              <a:buChar char="-"/>
+            </a:pPr>
+            <a:r>
+              <a:rPr lang="en-GB" sz="1200" dirty="0"/>
+              <a:t>Bread(4) → Milk(3): Out of 4 bread transactions, 3 also have milk</a:t>
+            </a:r>
+          </a:p>
+          <a:p>
+            <a:pPr marL="285750" indent="-285750">
+              <a:buFontTx/>
+              <a:buChar char="-"/>
+            </a:pPr>
+            <a:r>
+              <a:rPr lang="en-GB" sz="1200" dirty="0"/>
+              <a:t>Bread(4) → Milk(3) → Cola(1): Out of the above 3, one also has cola</a:t>
+            </a:r>
+            <a:endParaRPr lang="en-IN" sz="1200" dirty="0"/>
           </a:p>
         </p:txBody>
       </p:sp>
